--- a/Presentations/Client and Server Sockets/Client-Server-Sockets.pptx
+++ b/Presentations/Client and Server Sockets/Client-Server-Sockets.pptx
@@ -150,6 +150,36 @@
       </a:defRPr>
     </a:lvl9pPr>
   </p:defaultTextStyle>
+  <p:extLst>
+    <p:ext uri="{EFAFB233-063F-42B5-8137-9DF3F51BA10A}">
+      <p15:sldGuideLst xmlns:p15="http://schemas.microsoft.com/office/powerpoint/2012/main">
+        <p15:guide id="1" orient="horz" pos="2160">
+          <p15:clr>
+            <a:srgbClr val="A4A3A4"/>
+          </p15:clr>
+        </p15:guide>
+        <p15:guide id="2" pos="2880">
+          <p15:clr>
+            <a:srgbClr val="A4A3A4"/>
+          </p15:clr>
+        </p15:guide>
+      </p15:sldGuideLst>
+    </p:ext>
+    <p:ext uri="{2D200454-40CA-4A62-9FC3-DE9A4176ACB9}">
+      <p15:notesGuideLst xmlns:p15="http://schemas.microsoft.com/office/powerpoint/2012/main">
+        <p15:guide id="1" orient="horz" pos="2880">
+          <p15:clr>
+            <a:srgbClr val="A4A3A4"/>
+          </p15:clr>
+        </p15:guide>
+        <p15:guide id="2" pos="2160">
+          <p15:clr>
+            <a:srgbClr val="A4A3A4"/>
+          </p15:clr>
+        </p15:guide>
+      </p15:notesGuideLst>
+    </p:ext>
+  </p:extLst>
 </p:presentation>
 </file>
 
@@ -733,35 +763,35 @@
           <a:p>
             <a:pPr lvl="0"/>
             <a:r>
-              <a:rPr lang="en-US" altLang="en-US" smtClean="0"/>
+              <a:rPr lang="en-US" altLang="en-US"/>
               <a:t>Click to edit Master text styles</a:t>
             </a:r>
           </a:p>
           <a:p>
             <a:pPr lvl="1"/>
             <a:r>
-              <a:rPr lang="en-US" altLang="en-US" smtClean="0"/>
+              <a:rPr lang="en-US" altLang="en-US"/>
               <a:t>Second level</a:t>
             </a:r>
           </a:p>
           <a:p>
             <a:pPr lvl="2"/>
             <a:r>
-              <a:rPr lang="en-US" altLang="en-US" smtClean="0"/>
+              <a:rPr lang="en-US" altLang="en-US"/>
               <a:t>Third level</a:t>
             </a:r>
           </a:p>
           <a:p>
             <a:pPr lvl="3"/>
             <a:r>
-              <a:rPr lang="en-US" altLang="en-US" smtClean="0"/>
+              <a:rPr lang="en-US" altLang="en-US"/>
               <a:t>Fourth level</a:t>
             </a:r>
           </a:p>
           <a:p>
             <a:pPr lvl="4"/>
             <a:r>
-              <a:rPr lang="en-US" altLang="en-US" smtClean="0"/>
+              <a:rPr lang="en-US" altLang="en-US"/>
               <a:t>Fifth level</a:t>
             </a:r>
           </a:p>
@@ -1107,10 +1137,9 @@
           <a:lstStyle/>
           <a:p>
             <a:r>
-              <a:rPr lang="en-US" smtClean="0"/>
+              <a:rPr lang="en-US"/>
               <a:t>Click to edit Master title style</a:t>
             </a:r>
-            <a:endParaRPr lang="en-US"/>
           </a:p>
         </p:txBody>
       </p:sp>
@@ -1139,38 +1168,37 @@
           <a:p>
             <a:pPr lvl="0"/>
             <a:r>
-              <a:rPr lang="en-US" smtClean="0"/>
+              <a:rPr lang="en-US"/>
               <a:t>Click to edit Master text styles</a:t>
             </a:r>
           </a:p>
           <a:p>
             <a:pPr lvl="1"/>
             <a:r>
-              <a:rPr lang="en-US" smtClean="0"/>
+              <a:rPr lang="en-US"/>
               <a:t>Second level</a:t>
             </a:r>
           </a:p>
           <a:p>
             <a:pPr lvl="2"/>
             <a:r>
-              <a:rPr lang="en-US" smtClean="0"/>
+              <a:rPr lang="en-US"/>
               <a:t>Third level</a:t>
             </a:r>
           </a:p>
           <a:p>
             <a:pPr lvl="3"/>
             <a:r>
-              <a:rPr lang="en-US" smtClean="0"/>
+              <a:rPr lang="en-US"/>
               <a:t>Fourth level</a:t>
             </a:r>
           </a:p>
           <a:p>
             <a:pPr lvl="4"/>
             <a:r>
-              <a:rPr lang="en-US" smtClean="0"/>
+              <a:rPr lang="en-US"/>
               <a:t>Fifth level</a:t>
             </a:r>
-            <a:endParaRPr lang="en-US"/>
           </a:p>
         </p:txBody>
       </p:sp>
@@ -1256,10 +1284,9 @@
           <a:lstStyle/>
           <a:p>
             <a:r>
-              <a:rPr lang="en-US" smtClean="0"/>
+              <a:rPr lang="en-US"/>
               <a:t>Click to edit Master title style</a:t>
             </a:r>
-            <a:endParaRPr lang="en-US"/>
           </a:p>
         </p:txBody>
       </p:sp>
@@ -1288,38 +1315,37 @@
           <a:p>
             <a:pPr lvl="0"/>
             <a:r>
-              <a:rPr lang="en-US" smtClean="0"/>
+              <a:rPr lang="en-US"/>
               <a:t>Click to edit Master text styles</a:t>
             </a:r>
           </a:p>
           <a:p>
             <a:pPr lvl="1"/>
             <a:r>
-              <a:rPr lang="en-US" smtClean="0"/>
+              <a:rPr lang="en-US"/>
               <a:t>Second level</a:t>
             </a:r>
           </a:p>
           <a:p>
             <a:pPr lvl="2"/>
             <a:r>
-              <a:rPr lang="en-US" smtClean="0"/>
+              <a:rPr lang="en-US"/>
               <a:t>Third level</a:t>
             </a:r>
           </a:p>
           <a:p>
             <a:pPr lvl="3"/>
             <a:r>
-              <a:rPr lang="en-US" smtClean="0"/>
+              <a:rPr lang="en-US"/>
               <a:t>Fourth level</a:t>
             </a:r>
           </a:p>
           <a:p>
             <a:pPr lvl="4"/>
             <a:r>
-              <a:rPr lang="en-US" smtClean="0"/>
+              <a:rPr lang="en-US"/>
               <a:t>Fifth level</a:t>
             </a:r>
-            <a:endParaRPr lang="en-US"/>
           </a:p>
         </p:txBody>
       </p:sp>
@@ -1405,10 +1431,9 @@
           <a:lstStyle/>
           <a:p>
             <a:r>
-              <a:rPr lang="en-US" smtClean="0"/>
+              <a:rPr lang="en-US"/>
               <a:t>Click to edit Master title style</a:t>
             </a:r>
-            <a:endParaRPr lang="en-US"/>
           </a:p>
         </p:txBody>
       </p:sp>
@@ -1437,38 +1462,37 @@
           <a:p>
             <a:pPr lvl="0"/>
             <a:r>
-              <a:rPr lang="en-US" smtClean="0"/>
+              <a:rPr lang="en-US"/>
               <a:t>Click to edit Master text styles</a:t>
             </a:r>
           </a:p>
           <a:p>
             <a:pPr lvl="1"/>
             <a:r>
-              <a:rPr lang="en-US" smtClean="0"/>
+              <a:rPr lang="en-US"/>
               <a:t>Second level</a:t>
             </a:r>
           </a:p>
           <a:p>
             <a:pPr lvl="2"/>
             <a:r>
-              <a:rPr lang="en-US" smtClean="0"/>
+              <a:rPr lang="en-US"/>
               <a:t>Third level</a:t>
             </a:r>
           </a:p>
           <a:p>
             <a:pPr lvl="3"/>
             <a:r>
-              <a:rPr lang="en-US" smtClean="0"/>
+              <a:rPr lang="en-US"/>
               <a:t>Fourth level</a:t>
             </a:r>
           </a:p>
           <a:p>
             <a:pPr lvl="4"/>
             <a:r>
-              <a:rPr lang="en-US" smtClean="0"/>
+              <a:rPr lang="en-US"/>
               <a:t>Fifth level</a:t>
             </a:r>
-            <a:endParaRPr lang="en-US"/>
           </a:p>
         </p:txBody>
       </p:sp>
@@ -1558,10 +1582,9 @@
           </a:lstStyle>
           <a:p>
             <a:r>
-              <a:rPr lang="en-US" smtClean="0"/>
+              <a:rPr lang="en-US"/>
               <a:t>Click to edit Master title style</a:t>
             </a:r>
-            <a:endParaRPr lang="en-US"/>
           </a:p>
         </p:txBody>
       </p:sp>
@@ -1627,7 +1650,7 @@
           <a:p>
             <a:pPr lvl="0"/>
             <a:r>
-              <a:rPr lang="en-US" smtClean="0"/>
+              <a:rPr lang="en-US"/>
               <a:t>Click to edit Master text styles</a:t>
             </a:r>
           </a:p>
@@ -1715,10 +1738,9 @@
           <a:lstStyle/>
           <a:p>
             <a:r>
-              <a:rPr lang="en-US" smtClean="0"/>
+              <a:rPr lang="en-US"/>
               <a:t>Click to edit Master title style</a:t>
             </a:r>
-            <a:endParaRPr lang="en-US"/>
           </a:p>
         </p:txBody>
       </p:sp>
@@ -1775,38 +1797,37 @@
           <a:p>
             <a:pPr lvl="0"/>
             <a:r>
-              <a:rPr lang="en-US" smtClean="0"/>
+              <a:rPr lang="en-US"/>
               <a:t>Click to edit Master text styles</a:t>
             </a:r>
           </a:p>
           <a:p>
             <a:pPr lvl="1"/>
             <a:r>
-              <a:rPr lang="en-US" smtClean="0"/>
+              <a:rPr lang="en-US"/>
               <a:t>Second level</a:t>
             </a:r>
           </a:p>
           <a:p>
             <a:pPr lvl="2"/>
             <a:r>
-              <a:rPr lang="en-US" smtClean="0"/>
+              <a:rPr lang="en-US"/>
               <a:t>Third level</a:t>
             </a:r>
           </a:p>
           <a:p>
             <a:pPr lvl="3"/>
             <a:r>
-              <a:rPr lang="en-US" smtClean="0"/>
+              <a:rPr lang="en-US"/>
               <a:t>Fourth level</a:t>
             </a:r>
           </a:p>
           <a:p>
             <a:pPr lvl="4"/>
             <a:r>
-              <a:rPr lang="en-US" smtClean="0"/>
+              <a:rPr lang="en-US"/>
               <a:t>Fifth level</a:t>
             </a:r>
-            <a:endParaRPr lang="en-US"/>
           </a:p>
         </p:txBody>
       </p:sp>
@@ -1863,38 +1884,37 @@
           <a:p>
             <a:pPr lvl="0"/>
             <a:r>
-              <a:rPr lang="en-US" smtClean="0"/>
+              <a:rPr lang="en-US"/>
               <a:t>Click to edit Master text styles</a:t>
             </a:r>
           </a:p>
           <a:p>
             <a:pPr lvl="1"/>
             <a:r>
-              <a:rPr lang="en-US" smtClean="0"/>
+              <a:rPr lang="en-US"/>
               <a:t>Second level</a:t>
             </a:r>
           </a:p>
           <a:p>
             <a:pPr lvl="2"/>
             <a:r>
-              <a:rPr lang="en-US" smtClean="0"/>
+              <a:rPr lang="en-US"/>
               <a:t>Third level</a:t>
             </a:r>
           </a:p>
           <a:p>
             <a:pPr lvl="3"/>
             <a:r>
-              <a:rPr lang="en-US" smtClean="0"/>
+              <a:rPr lang="en-US"/>
               <a:t>Fourth level</a:t>
             </a:r>
           </a:p>
           <a:p>
             <a:pPr lvl="4"/>
             <a:r>
-              <a:rPr lang="en-US" smtClean="0"/>
+              <a:rPr lang="en-US"/>
               <a:t>Fifth level</a:t>
             </a:r>
-            <a:endParaRPr lang="en-US"/>
           </a:p>
         </p:txBody>
       </p:sp>
@@ -1984,10 +2004,9 @@
           </a:lstStyle>
           <a:p>
             <a:r>
-              <a:rPr lang="en-US" smtClean="0"/>
+              <a:rPr lang="en-US"/>
               <a:t>Click to edit Master title style</a:t>
             </a:r>
-            <a:endParaRPr lang="en-US"/>
           </a:p>
         </p:txBody>
       </p:sp>
@@ -2053,7 +2072,7 @@
           <a:p>
             <a:pPr lvl="0"/>
             <a:r>
-              <a:rPr lang="en-US" smtClean="0"/>
+              <a:rPr lang="en-US"/>
               <a:t>Click to edit Master text styles</a:t>
             </a:r>
           </a:p>
@@ -2112,38 +2131,37 @@
           <a:p>
             <a:pPr lvl="0"/>
             <a:r>
-              <a:rPr lang="en-US" smtClean="0"/>
+              <a:rPr lang="en-US"/>
               <a:t>Click to edit Master text styles</a:t>
             </a:r>
           </a:p>
           <a:p>
             <a:pPr lvl="1"/>
             <a:r>
-              <a:rPr lang="en-US" smtClean="0"/>
+              <a:rPr lang="en-US"/>
               <a:t>Second level</a:t>
             </a:r>
           </a:p>
           <a:p>
             <a:pPr lvl="2"/>
             <a:r>
-              <a:rPr lang="en-US" smtClean="0"/>
+              <a:rPr lang="en-US"/>
               <a:t>Third level</a:t>
             </a:r>
           </a:p>
           <a:p>
             <a:pPr lvl="3"/>
             <a:r>
-              <a:rPr lang="en-US" smtClean="0"/>
+              <a:rPr lang="en-US"/>
               <a:t>Fourth level</a:t>
             </a:r>
           </a:p>
           <a:p>
             <a:pPr lvl="4"/>
             <a:r>
-              <a:rPr lang="en-US" smtClean="0"/>
+              <a:rPr lang="en-US"/>
               <a:t>Fifth level</a:t>
             </a:r>
-            <a:endParaRPr lang="en-US"/>
           </a:p>
         </p:txBody>
       </p:sp>
@@ -2209,7 +2227,7 @@
           <a:p>
             <a:pPr lvl="0"/>
             <a:r>
-              <a:rPr lang="en-US" smtClean="0"/>
+              <a:rPr lang="en-US"/>
               <a:t>Click to edit Master text styles</a:t>
             </a:r>
           </a:p>
@@ -2268,38 +2286,37 @@
           <a:p>
             <a:pPr lvl="0"/>
             <a:r>
-              <a:rPr lang="en-US" smtClean="0"/>
+              <a:rPr lang="en-US"/>
               <a:t>Click to edit Master text styles</a:t>
             </a:r>
           </a:p>
           <a:p>
             <a:pPr lvl="1"/>
             <a:r>
-              <a:rPr lang="en-US" smtClean="0"/>
+              <a:rPr lang="en-US"/>
               <a:t>Second level</a:t>
             </a:r>
           </a:p>
           <a:p>
             <a:pPr lvl="2"/>
             <a:r>
-              <a:rPr lang="en-US" smtClean="0"/>
+              <a:rPr lang="en-US"/>
               <a:t>Third level</a:t>
             </a:r>
           </a:p>
           <a:p>
             <a:pPr lvl="3"/>
             <a:r>
-              <a:rPr lang="en-US" smtClean="0"/>
+              <a:rPr lang="en-US"/>
               <a:t>Fourth level</a:t>
             </a:r>
           </a:p>
           <a:p>
             <a:pPr lvl="4"/>
             <a:r>
-              <a:rPr lang="en-US" smtClean="0"/>
+              <a:rPr lang="en-US"/>
               <a:t>Fifth level</a:t>
             </a:r>
-            <a:endParaRPr lang="en-US"/>
           </a:p>
         </p:txBody>
       </p:sp>
@@ -2385,10 +2402,9 @@
           <a:lstStyle/>
           <a:p>
             <a:r>
-              <a:rPr lang="en-US" smtClean="0"/>
+              <a:rPr lang="en-US"/>
               <a:t>Click to edit Master title style</a:t>
             </a:r>
-            <a:endParaRPr lang="en-US"/>
           </a:p>
         </p:txBody>
       </p:sp>
@@ -2536,10 +2552,9 @@
           </a:lstStyle>
           <a:p>
             <a:r>
-              <a:rPr lang="en-US" smtClean="0"/>
+              <a:rPr lang="en-US"/>
               <a:t>Click to edit Master title style</a:t>
             </a:r>
-            <a:endParaRPr lang="en-US"/>
           </a:p>
         </p:txBody>
       </p:sp>
@@ -2596,38 +2611,37 @@
           <a:p>
             <a:pPr lvl="0"/>
             <a:r>
-              <a:rPr lang="en-US" smtClean="0"/>
+              <a:rPr lang="en-US"/>
               <a:t>Click to edit Master text styles</a:t>
             </a:r>
           </a:p>
           <a:p>
             <a:pPr lvl="1"/>
             <a:r>
-              <a:rPr lang="en-US" smtClean="0"/>
+              <a:rPr lang="en-US"/>
               <a:t>Second level</a:t>
             </a:r>
           </a:p>
           <a:p>
             <a:pPr lvl="2"/>
             <a:r>
-              <a:rPr lang="en-US" smtClean="0"/>
+              <a:rPr lang="en-US"/>
               <a:t>Third level</a:t>
             </a:r>
           </a:p>
           <a:p>
             <a:pPr lvl="3"/>
             <a:r>
-              <a:rPr lang="en-US" smtClean="0"/>
+              <a:rPr lang="en-US"/>
               <a:t>Fourth level</a:t>
             </a:r>
           </a:p>
           <a:p>
             <a:pPr lvl="4"/>
             <a:r>
-              <a:rPr lang="en-US" smtClean="0"/>
+              <a:rPr lang="en-US"/>
               <a:t>Fifth level</a:t>
             </a:r>
-            <a:endParaRPr lang="en-US"/>
           </a:p>
         </p:txBody>
       </p:sp>
@@ -2693,7 +2707,7 @@
           <a:p>
             <a:pPr lvl="0"/>
             <a:r>
-              <a:rPr lang="en-US" smtClean="0"/>
+              <a:rPr lang="en-US"/>
               <a:t>Click to edit Master text styles</a:t>
             </a:r>
           </a:p>
@@ -2785,10 +2799,9 @@
           </a:lstStyle>
           <a:p>
             <a:r>
-              <a:rPr lang="en-US" smtClean="0"/>
+              <a:rPr lang="en-US"/>
               <a:t>Click to edit Master title style</a:t>
             </a:r>
-            <a:endParaRPr lang="en-US"/>
           </a:p>
         </p:txBody>
       </p:sp>
@@ -2918,7 +2931,7 @@
           <a:p>
             <a:pPr lvl="0"/>
             <a:r>
-              <a:rPr lang="en-US" smtClean="0"/>
+              <a:rPr lang="en-US"/>
               <a:t>Click to edit Master text styles</a:t>
             </a:r>
           </a:p>
@@ -3529,24 +3542,20 @@
           <a:p>
             <a:r>
               <a:rPr lang="en-US" altLang="en-US" dirty="0"/>
-              <a:t>Client and Server </a:t>
-            </a:r>
-            <a:r>
-              <a:rPr lang="en-US" altLang="en-US" dirty="0" smtClean="0"/>
-              <a:t>Sockets</a:t>
+              <a:t>Client and Server Sockets</a:t>
             </a:r>
             <a:br>
-              <a:rPr lang="en-US" altLang="en-US" dirty="0" smtClean="0"/>
+              <a:rPr lang="en-US" altLang="en-US" dirty="0"/>
             </a:br>
             <a:r>
-              <a:rPr lang="en-US" altLang="en-US" dirty="0" smtClean="0"/>
+              <a:rPr lang="en-US" altLang="en-US" dirty="0"/>
               <a:t>in</a:t>
             </a:r>
             <a:br>
-              <a:rPr lang="en-US" altLang="en-US" dirty="0" smtClean="0"/>
+              <a:rPr lang="en-US" altLang="en-US" dirty="0"/>
             </a:br>
             <a:r>
-              <a:rPr lang="en-US" altLang="en-US" dirty="0" smtClean="0"/>
+              <a:rPr lang="en-US" altLang="en-US" dirty="0"/>
               <a:t>Java</a:t>
             </a:r>
             <a:endParaRPr lang="en-US" altLang="en-US" dirty="0">
@@ -3617,7 +3626,7 @@
               <a:buFontTx/>
               <a:buNone/>
             </a:pPr>
-            <a:endParaRPr lang="en-US" altLang="en-US" sz="3600" dirty="0" smtClean="0"/>
+            <a:endParaRPr lang="en-US" altLang="en-US" sz="3600" dirty="0"/>
           </a:p>
           <a:p>
             <a:pPr marL="0" indent="0" algn="ctr">
@@ -3628,7 +3637,7 @@
               <a:buNone/>
             </a:pPr>
             <a:r>
-              <a:rPr lang="en-US" altLang="en-US" sz="3600" dirty="0" smtClean="0"/>
+              <a:rPr lang="en-US" altLang="en-US" sz="3600" dirty="0"/>
               <a:t>CIT 360</a:t>
             </a:r>
           </a:p>
@@ -3641,10 +3650,9 @@
               <a:buNone/>
             </a:pPr>
             <a:r>
-              <a:rPr lang="en-US" altLang="en-US" sz="2400" dirty="0" smtClean="0"/>
+              <a:rPr lang="en-US" altLang="en-US" sz="2400" dirty="0"/>
               <a:t>Dan Hively</a:t>
             </a:r>
-            <a:endParaRPr lang="en-US" altLang="en-US" sz="2400" dirty="0"/>
           </a:p>
           <a:p>
             <a:pPr marL="0" indent="0" algn="ctr">
@@ -3663,13 +3671,6 @@
   <p:clrMapOvr>
     <a:masterClrMapping/>
   </p:clrMapOvr>
-  <p:timing>
-    <p:tnLst>
-      <p:par>
-        <p:cTn id="1" dur="indefinite" restart="never" nodeType="tmRoot"/>
-      </p:par>
-    </p:tnLst>
-  </p:timing>
 </p:sld>
 </file>
 
@@ -3769,10 +3770,9 @@
           <a:lstStyle/>
           <a:p>
             <a:r>
-              <a:rPr lang="en-US" altLang="en-US" dirty="0" smtClean="0"/>
+              <a:rPr lang="en-US" altLang="en-US" dirty="0"/>
               <a:t>Hibernate </a:t>
             </a:r>
-            <a:endParaRPr lang="en-US" altLang="en-US" dirty="0"/>
           </a:p>
         </p:txBody>
       </p:sp>
@@ -3840,16 +3840,9 @@
                 <a:cs typeface="David" panose="020E0502060401010101" pitchFamily="34" charset="-79"/>
                 <a:hlinkClick r:id="rId2"/>
               </a:rPr>
-              <a:t>http://hibernate.org/orm</a:t>
-            </a:r>
-            <a:r>
-              <a:rPr lang="en-US" altLang="en-US" sz="2400" dirty="0" smtClean="0">
-                <a:cs typeface="David" panose="020E0502060401010101" pitchFamily="34" charset="-79"/>
-                <a:hlinkClick r:id="rId2"/>
-              </a:rPr>
-              <a:t>/</a:t>
-            </a:r>
-            <a:endParaRPr lang="en-US" altLang="en-US" sz="2400" dirty="0" smtClean="0">
+              <a:t>http://hibernate.org/orm/</a:t>
+            </a:r>
+            <a:endParaRPr lang="en-US" altLang="en-US" sz="2400" dirty="0">
               <a:cs typeface="David" panose="020E0502060401010101" pitchFamily="34" charset="-79"/>
             </a:endParaRPr>
           </a:p>
@@ -3864,16 +3857,9 @@
                 <a:cs typeface="David" panose="020E0502060401010101" pitchFamily="34" charset="-79"/>
                 <a:hlinkClick r:id="rId3"/>
               </a:rPr>
-              <a:t>http://hibernate.org/orm/downloads</a:t>
-            </a:r>
-            <a:r>
-              <a:rPr lang="en-US" altLang="en-US" sz="2400" dirty="0" smtClean="0">
-                <a:cs typeface="David" panose="020E0502060401010101" pitchFamily="34" charset="-79"/>
-                <a:hlinkClick r:id="rId3"/>
-              </a:rPr>
-              <a:t>/</a:t>
-            </a:r>
-            <a:endParaRPr lang="en-US" altLang="en-US" sz="2400" dirty="0" smtClean="0">
+              <a:t>http://hibernate.org/orm/downloads/</a:t>
+            </a:r>
+            <a:endParaRPr lang="en-US" altLang="en-US" sz="2400" dirty="0">
               <a:cs typeface="David" panose="020E0502060401010101" pitchFamily="34" charset="-79"/>
             </a:endParaRPr>
           </a:p>
@@ -3883,7 +3869,7 @@
                 <a:spcPct val="90000"/>
               </a:lnSpc>
             </a:pPr>
-            <a:endParaRPr lang="en-US" altLang="en-US" sz="2400" dirty="0" smtClean="0">
+            <a:endParaRPr lang="en-US" altLang="en-US" sz="2400" dirty="0">
               <a:latin typeface="David" panose="020E0502060401010101" pitchFamily="34" charset="-79"/>
               <a:cs typeface="David" panose="020E0502060401010101" pitchFamily="34" charset="-79"/>
             </a:endParaRPr>
@@ -3894,7 +3880,7 @@
                 <a:spcPct val="90000"/>
               </a:lnSpc>
             </a:pPr>
-            <a:endParaRPr lang="en-US" altLang="en-US" sz="2400" dirty="0" smtClean="0"/>
+            <a:endParaRPr lang="en-US" altLang="en-US" sz="2400" dirty="0"/>
           </a:p>
           <a:p>
             <a:pPr>
@@ -3965,13 +3951,6 @@
   <p:clrMapOvr>
     <a:masterClrMapping/>
   </p:clrMapOvr>
-  <p:timing>
-    <p:tnLst>
-      <p:par>
-        <p:cTn id="1" dur="indefinite" restart="never" nodeType="tmRoot"/>
-      </p:par>
-    </p:tnLst>
-  </p:timing>
 </p:sld>
 </file>
 
@@ -4071,10 +4050,9 @@
           <a:lstStyle/>
           <a:p>
             <a:r>
-              <a:rPr lang="en-US" altLang="en-US" dirty="0" smtClean="0"/>
+              <a:rPr lang="en-US" altLang="en-US" dirty="0"/>
               <a:t>Hibernate – Part 1 </a:t>
             </a:r>
-            <a:endParaRPr lang="en-US" altLang="en-US" dirty="0"/>
           </a:p>
         </p:txBody>
       </p:sp>
@@ -4205,13 +4183,6 @@
   <p:clrMapOvr>
     <a:masterClrMapping/>
   </p:clrMapOvr>
-  <p:timing>
-    <p:tnLst>
-      <p:par>
-        <p:cTn id="1" dur="indefinite" restart="never" nodeType="tmRoot"/>
-      </p:par>
-    </p:tnLst>
-  </p:timing>
 </p:sld>
 </file>
 
@@ -4314,7 +4285,6 @@
               <a:rPr lang="en-US" altLang="en-US" dirty="0"/>
               <a:t>Client and Server Sockets? </a:t>
             </a:r>
-            <a:endParaRPr lang="en-US" altLang="en-US" dirty="0"/>
           </a:p>
         </p:txBody>
       </p:sp>
@@ -4378,12 +4348,8 @@
               </a:lnSpc>
             </a:pPr>
             <a:r>
-              <a:rPr lang="en-US" altLang="en-US" sz="2400" dirty="0" smtClean="0"/>
-              <a:t>Not </a:t>
-            </a:r>
-            <a:r>
-              <a:rPr lang="en-US" altLang="en-US" sz="2400" dirty="0" smtClean="0"/>
-              <a:t>this</a:t>
+              <a:rPr lang="en-US" altLang="en-US" sz="2400" dirty="0"/>
+              <a:t>Not this</a:t>
             </a:r>
           </a:p>
           <a:p>
@@ -4400,7 +4366,7 @@
                 <a:spcPct val="90000"/>
               </a:lnSpc>
             </a:pPr>
-            <a:endParaRPr lang="en-US" altLang="en-US" sz="2400" dirty="0" smtClean="0"/>
+            <a:endParaRPr lang="en-US" altLang="en-US" sz="2400" dirty="0"/>
           </a:p>
           <a:p>
             <a:pPr>
@@ -4416,7 +4382,7 @@
                 <a:spcPct val="90000"/>
               </a:lnSpc>
             </a:pPr>
-            <a:endParaRPr lang="en-US" altLang="en-US" sz="2400" dirty="0" smtClean="0"/>
+            <a:endParaRPr lang="en-US" altLang="en-US" sz="2400" dirty="0"/>
           </a:p>
           <a:p>
             <a:pPr>
@@ -4427,15 +4393,13 @@
             <a:endParaRPr lang="en-US" altLang="en-US" sz="2400" dirty="0"/>
           </a:p>
           <a:p>
-            <a:pPr>
+            <a:pPr marL="0" indent="0">
               <a:lnSpc>
                 <a:spcPct val="90000"/>
               </a:lnSpc>
+              <a:buNone/>
             </a:pPr>
-            <a:r>
-              <a:rPr lang="en-US" altLang="en-US" sz="2400" dirty="0" smtClean="0"/>
-              <a:t>Or this</a:t>
-            </a:r>
+            <a:endParaRPr lang="en-US" altLang="en-US" sz="2400" dirty="0"/>
           </a:p>
           <a:p>
             <a:pPr>
@@ -4534,7 +4498,7 @@
         </p:blipFill>
         <p:spPr bwMode="auto">
           <a:xfrm>
-            <a:off x="2014537" y="1600200"/>
+            <a:off x="1676400" y="3048000"/>
             <a:ext cx="1914525" cy="1373882"/>
           </a:xfrm>
           <a:prstGeom prst="rect">
@@ -4575,60 +4539,6 @@
           </a:extLst>
         </p:spPr>
       </p:pic>
-      <p:pic>
-        <p:nvPicPr>
-          <p:cNvPr id="2051" name="Picture 3"/>
-          <p:cNvPicPr>
-            <a:picLocks noChangeAspect="1" noChangeArrowheads="1"/>
-          </p:cNvPicPr>
-          <p:nvPr/>
-        </p:nvPicPr>
-        <p:blipFill>
-          <a:blip r:embed="rId4" cstate="print">
-            <a:extLst>
-              <a:ext uri="{28A0092B-C50C-407E-A947-70E740481C1C}">
-                <a14:useLocalDpi xmlns:a14="http://schemas.microsoft.com/office/drawing/2010/main" val="0"/>
-              </a:ext>
-            </a:extLst>
-          </a:blip>
-          <a:srcRect/>
-          <a:stretch>
-            <a:fillRect/>
-          </a:stretch>
-        </p:blipFill>
-        <p:spPr bwMode="auto">
-          <a:xfrm>
-            <a:off x="2590800" y="3810000"/>
-            <a:ext cx="1729522" cy="2375210"/>
-          </a:xfrm>
-          <a:prstGeom prst="rect">
-            <a:avLst/>
-          </a:prstGeom>
-          <a:noFill/>
-          <a:ln>
-            <a:noFill/>
-          </a:ln>
-          <a:extLst>
-            <a:ext uri="{909E8E84-426E-40DD-AFC4-6F175D3DCCD1}">
-              <a14:hiddenFill xmlns:a14="http://schemas.microsoft.com/office/drawing/2010/main">
-                <a:solidFill>
-                  <a:schemeClr val="accent1"/>
-                </a:solidFill>
-              </a14:hiddenFill>
-            </a:ext>
-            <a:ext uri="{91240B29-F687-4F45-9708-019B960494DF}">
-              <a14:hiddenLine xmlns:a14="http://schemas.microsoft.com/office/drawing/2010/main" w="9525">
-                <a:solidFill>
-                  <a:schemeClr val="tx1"/>
-                </a:solidFill>
-                <a:miter lim="800000"/>
-                <a:headEnd/>
-                <a:tailEnd/>
-              </a14:hiddenLine>
-            </a:ext>
-          </a:extLst>
-        </p:spPr>
-      </p:pic>
     </p:spTree>
     <p:extLst>
       <p:ext uri="{BB962C8B-B14F-4D97-AF65-F5344CB8AC3E}">
@@ -4639,13 +4549,6 @@
   <p:clrMapOvr>
     <a:masterClrMapping/>
   </p:clrMapOvr>
-  <p:timing>
-    <p:tnLst>
-      <p:par>
-        <p:cTn id="1" dur="indefinite" restart="never" nodeType="tmRoot"/>
-      </p:par>
-    </p:tnLst>
-  </p:timing>
 </p:sld>
 </file>
 
@@ -4745,10 +4648,9 @@
           <a:lstStyle/>
           <a:p>
             <a:r>
-              <a:rPr lang="en-US" altLang="en-US" dirty="0" smtClean="0"/>
-              <a:t>What is Hibernate? </a:t>
-            </a:r>
-            <a:endParaRPr lang="en-US" altLang="en-US" dirty="0"/>
+              <a:rPr lang="en-US" altLang="en-US" dirty="0"/>
+              <a:t>What is a Socket? </a:t>
+            </a:r>
           </a:p>
         </p:txBody>
       </p:sp>
@@ -4812,7 +4714,7 @@
               </a:lnSpc>
             </a:pPr>
             <a:r>
-              <a:rPr lang="en-US" altLang="en-US" sz="2800" dirty="0" smtClean="0">
+              <a:rPr lang="en-US" altLang="en-US" sz="2800" dirty="0">
                 <a:solidFill>
                   <a:srgbClr val="FF0000"/>
                 </a:solidFill>
@@ -4820,7 +4722,7 @@
               <a:t>O</a:t>
             </a:r>
             <a:r>
-              <a:rPr lang="en-US" altLang="en-US" sz="2800" dirty="0" smtClean="0"/>
+              <a:rPr lang="en-US" altLang="en-US" sz="2800" dirty="0"/>
               <a:t>bject</a:t>
             </a:r>
           </a:p>
@@ -4831,7 +4733,7 @@
               </a:lnSpc>
             </a:pPr>
             <a:r>
-              <a:rPr lang="en-US" altLang="en-US" sz="2800" dirty="0" smtClean="0">
+              <a:rPr lang="en-US" altLang="en-US" sz="2800" dirty="0">
                 <a:solidFill>
                   <a:srgbClr val="FF0000"/>
                 </a:solidFill>
@@ -4839,7 +4741,7 @@
               <a:t>R</a:t>
             </a:r>
             <a:r>
-              <a:rPr lang="en-US" altLang="en-US" sz="2800" dirty="0" smtClean="0"/>
+              <a:rPr lang="en-US" altLang="en-US" sz="2800" dirty="0"/>
               <a:t>elational </a:t>
             </a:r>
           </a:p>
@@ -4850,7 +4752,7 @@
               </a:lnSpc>
             </a:pPr>
             <a:r>
-              <a:rPr lang="en-US" altLang="en-US" sz="2800" dirty="0" smtClean="0">
+              <a:rPr lang="en-US" altLang="en-US" sz="2800" dirty="0">
                 <a:solidFill>
                   <a:srgbClr val="FF0000"/>
                 </a:solidFill>
@@ -4858,7 +4760,7 @@
               <a:t>M</a:t>
             </a:r>
             <a:r>
-              <a:rPr lang="en-US" altLang="en-US" sz="2800" dirty="0" smtClean="0"/>
+              <a:rPr lang="en-US" altLang="en-US" sz="2800" dirty="0"/>
               <a:t>apping</a:t>
             </a:r>
           </a:p>
@@ -4869,7 +4771,7 @@
               </a:lnSpc>
             </a:pPr>
             <a:r>
-              <a:rPr lang="en-US" altLang="en-US" sz="2800" dirty="0" smtClean="0"/>
+              <a:rPr lang="en-US" altLang="en-US" sz="2800" dirty="0"/>
               <a:t>ORM</a:t>
             </a:r>
           </a:p>
@@ -4880,7 +4782,7 @@
               </a:lnSpc>
             </a:pPr>
             <a:r>
-              <a:rPr lang="en-US" altLang="en-US" sz="2800" dirty="0" smtClean="0"/>
+              <a:rPr lang="en-US" altLang="en-US" sz="2800" dirty="0"/>
               <a:t>Created by Gavin King in 2001</a:t>
             </a:r>
           </a:p>
@@ -4968,13 +4870,6 @@
   <p:clrMapOvr>
     <a:masterClrMapping/>
   </p:clrMapOvr>
-  <p:timing>
-    <p:tnLst>
-      <p:par>
-        <p:cTn id="1" dur="indefinite" restart="never" nodeType="tmRoot"/>
-      </p:par>
-    </p:tnLst>
-  </p:timing>
 </p:sld>
 </file>
 
@@ -5074,10 +4969,9 @@
           <a:lstStyle/>
           <a:p>
             <a:r>
-              <a:rPr lang="en-US" altLang="en-US" dirty="0" smtClean="0"/>
+              <a:rPr lang="en-US" altLang="en-US" dirty="0"/>
               <a:t>What is Hibernate? </a:t>
             </a:r>
-            <a:endParaRPr lang="en-US" altLang="en-US" dirty="0"/>
           </a:p>
         </p:txBody>
       </p:sp>
@@ -5141,7 +5035,7 @@
               </a:lnSpc>
             </a:pPr>
             <a:r>
-              <a:rPr lang="en-US" altLang="en-US" sz="2800" dirty="0" smtClean="0"/>
+              <a:rPr lang="en-US" altLang="en-US" sz="2800" dirty="0"/>
               <a:t>Think of an Ice Cream Sandwich</a:t>
             </a:r>
           </a:p>
@@ -5152,7 +5046,7 @@
               </a:lnSpc>
             </a:pPr>
             <a:r>
-              <a:rPr lang="en-US" altLang="en-US" sz="2800" dirty="0" smtClean="0"/>
+              <a:rPr lang="en-US" altLang="en-US" sz="2800" dirty="0"/>
               <a:t>Hibernate is the delicious ice cream center</a:t>
             </a:r>
           </a:p>
@@ -5230,13 +5124,6 @@
   <p:clrMapOvr>
     <a:masterClrMapping/>
   </p:clrMapOvr>
-  <p:timing>
-    <p:tnLst>
-      <p:par>
-        <p:cTn id="1" dur="indefinite" restart="never" nodeType="tmRoot"/>
-      </p:par>
-    </p:tnLst>
-  </p:timing>
 </p:sld>
 </file>
 
@@ -5336,10 +5223,9 @@
           <a:lstStyle/>
           <a:p>
             <a:r>
-              <a:rPr lang="en-US" altLang="en-US" dirty="0" smtClean="0"/>
+              <a:rPr lang="en-US" altLang="en-US" dirty="0"/>
               <a:t>What is Hibernate? </a:t>
             </a:r>
-            <a:endParaRPr lang="en-US" altLang="en-US" dirty="0"/>
           </a:p>
         </p:txBody>
       </p:sp>
@@ -5417,7 +5303,6 @@
               <a:rPr lang="en-US" altLang="en-US" sz="2800" dirty="0"/>
               <a:t>Allows mapping from Java data types to SQL data types</a:t>
             </a:r>
-            <a:endParaRPr lang="en-US" altLang="en-US" sz="2800" dirty="0" smtClean="0"/>
           </a:p>
           <a:p>
             <a:pPr>
@@ -5426,11 +5311,11 @@
               </a:lnSpc>
             </a:pPr>
             <a:r>
-              <a:rPr lang="en-US" altLang="en-US" sz="2800" dirty="0" smtClean="0"/>
+              <a:rPr lang="en-US" altLang="en-US" sz="2800" dirty="0"/>
               <a:t>Sits between </a:t>
             </a:r>
             <a:r>
-              <a:rPr lang="en-US" altLang="en-US" sz="2800" dirty="0" smtClean="0">
+              <a:rPr lang="en-US" altLang="en-US" sz="2800" dirty="0">
                 <a:solidFill>
                   <a:srgbClr val="FF0000"/>
                 </a:solidFill>
@@ -5438,11 +5323,11 @@
               <a:t>P</a:t>
             </a:r>
             <a:r>
-              <a:rPr lang="en-US" altLang="en-US" sz="2800" dirty="0" smtClean="0"/>
+              <a:rPr lang="en-US" altLang="en-US" sz="2800" dirty="0"/>
               <a:t>lain </a:t>
             </a:r>
             <a:r>
-              <a:rPr lang="en-US" altLang="en-US" sz="2800" dirty="0" smtClean="0">
+              <a:rPr lang="en-US" altLang="en-US" sz="2800" dirty="0">
                 <a:solidFill>
                   <a:srgbClr val="FF0000"/>
                 </a:solidFill>
@@ -5450,11 +5335,11 @@
               <a:t>O</a:t>
             </a:r>
             <a:r>
-              <a:rPr lang="en-US" altLang="en-US" sz="2800" dirty="0" smtClean="0"/>
+              <a:rPr lang="en-US" altLang="en-US" sz="2800" dirty="0"/>
               <a:t>ld </a:t>
             </a:r>
             <a:r>
-              <a:rPr lang="en-US" altLang="en-US" sz="2800" dirty="0" smtClean="0">
+              <a:rPr lang="en-US" altLang="en-US" sz="2800" dirty="0">
                 <a:solidFill>
                   <a:srgbClr val="FF0000"/>
                 </a:solidFill>
@@ -5462,11 +5347,11 @@
               <a:t>J</a:t>
             </a:r>
             <a:r>
-              <a:rPr lang="en-US" altLang="en-US" sz="2800" dirty="0" smtClean="0"/>
+              <a:rPr lang="en-US" altLang="en-US" sz="2800" dirty="0"/>
               <a:t>ava </a:t>
             </a:r>
             <a:r>
-              <a:rPr lang="en-US" altLang="en-US" sz="2800" dirty="0" smtClean="0">
+              <a:rPr lang="en-US" altLang="en-US" sz="2800" dirty="0">
                 <a:solidFill>
                   <a:srgbClr val="FF0000"/>
                 </a:solidFill>
@@ -5474,7 +5359,7 @@
               <a:t>O</a:t>
             </a:r>
             <a:r>
-              <a:rPr lang="en-US" altLang="en-US" sz="2800" dirty="0" smtClean="0"/>
+              <a:rPr lang="en-US" altLang="en-US" sz="2800" dirty="0"/>
               <a:t>bjects (POJOs) &amp; database</a:t>
             </a:r>
           </a:p>
@@ -5485,10 +5370,9 @@
               </a:lnSpc>
             </a:pPr>
             <a:r>
-              <a:rPr lang="en-US" altLang="en-US" sz="2800" dirty="0" smtClean="0"/>
+              <a:rPr lang="en-US" altLang="en-US" sz="2800" dirty="0"/>
               <a:t>Persists objects i.e. in a database table</a:t>
             </a:r>
-            <a:endParaRPr lang="en-US" altLang="en-US" sz="2800" dirty="0"/>
           </a:p>
         </p:txBody>
       </p:sp>
@@ -5556,13 +5440,6 @@
   <p:clrMapOvr>
     <a:masterClrMapping/>
   </p:clrMapOvr>
-  <p:timing>
-    <p:tnLst>
-      <p:par>
-        <p:cTn id="1" dur="indefinite" restart="never" nodeType="tmRoot"/>
-      </p:par>
-    </p:tnLst>
-  </p:timing>
 </p:sld>
 </file>
 
@@ -5662,10 +5539,9 @@
           <a:lstStyle/>
           <a:p>
             <a:r>
-              <a:rPr lang="en-US" altLang="en-US" dirty="0" smtClean="0"/>
+              <a:rPr lang="en-US" altLang="en-US" dirty="0"/>
               <a:t>What is Hibernate? </a:t>
             </a:r>
-            <a:endParaRPr lang="en-US" altLang="en-US" dirty="0"/>
           </a:p>
         </p:txBody>
       </p:sp>
@@ -5729,7 +5605,7 @@
               </a:lnSpc>
             </a:pPr>
             <a:r>
-              <a:rPr lang="en-US" altLang="en-US" sz="2800" dirty="0" smtClean="0"/>
+              <a:rPr lang="en-US" altLang="en-US" sz="2800" dirty="0"/>
               <a:t>Another view</a:t>
             </a:r>
           </a:p>
@@ -5807,13 +5683,6 @@
   <p:clrMapOvr>
     <a:masterClrMapping/>
   </p:clrMapOvr>
-  <p:timing>
-    <p:tnLst>
-      <p:par>
-        <p:cTn id="1" dur="indefinite" restart="never" nodeType="tmRoot"/>
-      </p:par>
-    </p:tnLst>
-  </p:timing>
 </p:sld>
 </file>
 
@@ -6044,13 +5913,8 @@
             </a:pPr>
             <a:r>
               <a:rPr lang="en-US" altLang="en-US" sz="1600" dirty="0"/>
-              <a:t>Object / Relational Mapping (ORM) - Allows a developer to treat a database like a collection of </a:t>
-            </a:r>
-            <a:r>
-              <a:rPr lang="en-US" altLang="en-US" sz="1600" dirty="0" smtClean="0"/>
-              <a:t>POJOs</a:t>
-            </a:r>
-            <a:endParaRPr lang="en-US" altLang="en-US" sz="1600" dirty="0"/>
+              <a:t>Object / Relational Mapping (ORM) - Allows a developer to treat a database like a collection of POJOs</a:t>
+            </a:r>
           </a:p>
           <a:p>
             <a:pPr lvl="1">
@@ -6071,15 +5935,7 @@
             </a:pPr>
             <a:r>
               <a:rPr lang="en-US" altLang="en-US" sz="1600" dirty="0"/>
-              <a:t>You can </a:t>
-            </a:r>
-            <a:r>
-              <a:rPr lang="en-US" altLang="en-US" sz="1600" dirty="0" smtClean="0"/>
-              <a:t>still </a:t>
-            </a:r>
-            <a:r>
-              <a:rPr lang="en-US" altLang="en-US" sz="1600" dirty="0"/>
-              <a:t>issue native SQL, and also queries by “Criteria” (specified using “parse tree” of Java objects)</a:t>
+              <a:t>You can still issue native SQL, and also queries by “Criteria” (specified using “parse tree” of Java objects)</a:t>
             </a:r>
           </a:p>
           <a:p>
@@ -6201,13 +6057,6 @@
     <a:masterClrMapping/>
   </p:clrMapOvr>
   <p:transition/>
-  <p:timing>
-    <p:tnLst>
-      <p:par>
-        <p:cTn id="1" dur="indefinite" restart="never" nodeType="tmRoot"/>
-      </p:par>
-    </p:tnLst>
-  </p:timing>
 </p:sld>
 </file>
 
@@ -6307,10 +6156,9 @@
           <a:lstStyle/>
           <a:p>
             <a:r>
-              <a:rPr lang="en-US" altLang="en-US" dirty="0" smtClean="0"/>
+              <a:rPr lang="en-US" altLang="en-US" dirty="0"/>
               <a:t>What is Hibernate? </a:t>
             </a:r>
-            <a:endParaRPr lang="en-US" altLang="en-US" dirty="0"/>
           </a:p>
         </p:txBody>
       </p:sp>
@@ -6374,7 +6222,7 @@
               </a:lnSpc>
             </a:pPr>
             <a:r>
-              <a:rPr lang="en-US" altLang="en-US" sz="2800" dirty="0" smtClean="0"/>
+              <a:rPr lang="en-US" altLang="en-US" sz="2800" dirty="0"/>
               <a:t>Databases</a:t>
             </a:r>
           </a:p>
@@ -6385,7 +6233,7 @@
               </a:lnSpc>
             </a:pPr>
             <a:r>
-              <a:rPr lang="en-US" altLang="en-US" sz="2400" dirty="0" smtClean="0"/>
+              <a:rPr lang="en-US" altLang="en-US" sz="2400" dirty="0"/>
               <a:t>MySQL</a:t>
             </a:r>
           </a:p>
@@ -6396,7 +6244,7 @@
               </a:lnSpc>
             </a:pPr>
             <a:r>
-              <a:rPr lang="en-US" altLang="en-US" sz="2400" dirty="0" smtClean="0"/>
+              <a:rPr lang="en-US" altLang="en-US" sz="2400" dirty="0"/>
               <a:t>Oracle</a:t>
             </a:r>
           </a:p>
@@ -6407,7 +6255,7 @@
               </a:lnSpc>
             </a:pPr>
             <a:r>
-              <a:rPr lang="en-US" altLang="en-US" sz="2400" dirty="0" smtClean="0"/>
+              <a:rPr lang="en-US" altLang="en-US" sz="2400" dirty="0"/>
               <a:t>Microsoft SQL Server</a:t>
             </a:r>
           </a:p>
@@ -6418,7 +6266,7 @@
               </a:lnSpc>
             </a:pPr>
             <a:r>
-              <a:rPr lang="en-US" altLang="en-US" sz="2400" dirty="0" smtClean="0"/>
+              <a:rPr lang="en-US" altLang="en-US" sz="2400" dirty="0"/>
               <a:t>PostgreSQL</a:t>
             </a:r>
           </a:p>
@@ -6658,13 +6506,6 @@
   <p:clrMapOvr>
     <a:masterClrMapping/>
   </p:clrMapOvr>
-  <p:timing>
-    <p:tnLst>
-      <p:par>
-        <p:cTn id="1" dur="indefinite" restart="never" nodeType="tmRoot"/>
-      </p:par>
-    </p:tnLst>
-  </p:timing>
 </p:sld>
 </file>
 
@@ -6764,10 +6605,9 @@
           <a:lstStyle/>
           <a:p>
             <a:r>
-              <a:rPr lang="en-US" altLang="en-US" dirty="0" smtClean="0"/>
+              <a:rPr lang="en-US" altLang="en-US" dirty="0"/>
               <a:t>What is Hibernate? </a:t>
             </a:r>
-            <a:endParaRPr lang="en-US" altLang="en-US" dirty="0"/>
           </a:p>
         </p:txBody>
       </p:sp>
@@ -6831,7 +6671,7 @@
               </a:lnSpc>
             </a:pPr>
             <a:r>
-              <a:rPr lang="en-US" altLang="en-US" sz="2800" dirty="0" smtClean="0"/>
+              <a:rPr lang="en-US" altLang="en-US" sz="2800" dirty="0"/>
               <a:t>Hibernate Query Language (HQL)</a:t>
             </a:r>
           </a:p>
@@ -6842,7 +6682,7 @@
               </a:lnSpc>
             </a:pPr>
             <a:r>
-              <a:rPr lang="en-US" altLang="en-US" sz="2400" dirty="0" smtClean="0"/>
+              <a:rPr lang="en-US" altLang="en-US" sz="2400" dirty="0"/>
               <a:t>Object-oriented</a:t>
             </a:r>
           </a:p>
@@ -6853,7 +6693,7 @@
               </a:lnSpc>
             </a:pPr>
             <a:r>
-              <a:rPr lang="en-US" altLang="en-US" sz="2400" dirty="0" smtClean="0"/>
+              <a:rPr lang="en-US" altLang="en-US" sz="2400" dirty="0"/>
               <a:t>Similar to SQL</a:t>
             </a:r>
           </a:p>
@@ -6864,7 +6704,7 @@
               </a:lnSpc>
             </a:pPr>
             <a:r>
-              <a:rPr lang="en-US" altLang="en-US" sz="2400" dirty="0" smtClean="0"/>
+              <a:rPr lang="en-US" altLang="en-US" sz="2400" dirty="0"/>
               <a:t>Use this instead of SQL in your code</a:t>
             </a:r>
           </a:p>
@@ -6875,7 +6715,7 @@
               </a:lnSpc>
             </a:pPr>
             <a:r>
-              <a:rPr lang="en-US" altLang="en-US" sz="2400" dirty="0" smtClean="0"/>
+              <a:rPr lang="en-US" altLang="en-US" sz="2400" dirty="0"/>
               <a:t>Makes your code more portable</a:t>
             </a:r>
           </a:p>
@@ -6886,7 +6726,7 @@
               </a:lnSpc>
             </a:pPr>
             <a:r>
-              <a:rPr lang="en-US" altLang="en-US" sz="2400" dirty="0" smtClean="0"/>
+              <a:rPr lang="en-US" altLang="en-US" sz="2400" dirty="0"/>
               <a:t>Real life example – FamilySearch</a:t>
             </a:r>
           </a:p>
@@ -6897,10 +6737,9 @@
               </a:lnSpc>
             </a:pPr>
             <a:r>
-              <a:rPr lang="en-US" altLang="en-US" sz="2000" dirty="0" smtClean="0"/>
+              <a:rPr lang="en-US" altLang="en-US" sz="2000" dirty="0"/>
               <a:t>Convert Oracle to PostgreSQL</a:t>
             </a:r>
-            <a:endParaRPr lang="en-US" altLang="en-US" sz="2000" dirty="0"/>
           </a:p>
         </p:txBody>
       </p:sp>
@@ -7083,13 +6922,6 @@
   <p:clrMapOvr>
     <a:masterClrMapping/>
   </p:clrMapOvr>
-  <p:timing>
-    <p:tnLst>
-      <p:par>
-        <p:cTn id="1" dur="indefinite" restart="never" nodeType="tmRoot"/>
-      </p:par>
-    </p:tnLst>
-  </p:timing>
 </p:sld>
 </file>
 

--- a/Presentations/Client and Server Sockets/Client-Server-Sockets.pptx
+++ b/Presentations/Client and Server Sockets/Client-Server-Sockets.pptx
@@ -5,23 +5,24 @@
     <p:sldMasterId id="2147483648" r:id="rId1"/>
   </p:sldMasterIdLst>
   <p:notesMasterIdLst>
-    <p:notesMasterId r:id="rId13"/>
+    <p:notesMasterId r:id="rId14"/>
   </p:notesMasterIdLst>
   <p:handoutMasterIdLst>
-    <p:handoutMasterId r:id="rId14"/>
+    <p:handoutMasterId r:id="rId15"/>
   </p:handoutMasterIdLst>
   <p:sldIdLst>
     <p:sldId id="256" r:id="rId2"/>
     <p:sldId id="353" r:id="rId3"/>
     <p:sldId id="354" r:id="rId4"/>
-    <p:sldId id="350" r:id="rId5"/>
-    <p:sldId id="351" r:id="rId6"/>
-    <p:sldId id="355" r:id="rId7"/>
-    <p:sldId id="356" r:id="rId8"/>
-    <p:sldId id="352" r:id="rId9"/>
-    <p:sldId id="357" r:id="rId10"/>
-    <p:sldId id="257" r:id="rId11"/>
-    <p:sldId id="349" r:id="rId12"/>
+    <p:sldId id="358" r:id="rId5"/>
+    <p:sldId id="359" r:id="rId6"/>
+    <p:sldId id="360" r:id="rId7"/>
+    <p:sldId id="361" r:id="rId8"/>
+    <p:sldId id="362" r:id="rId9"/>
+    <p:sldId id="363" r:id="rId10"/>
+    <p:sldId id="364" r:id="rId11"/>
+    <p:sldId id="351" r:id="rId12"/>
+    <p:sldId id="349" r:id="rId13"/>
   </p:sldIdLst>
   <p:sldSz cx="9144000" cy="6858000" type="screen4x3"/>
   <p:notesSz cx="6858000" cy="9144000"/>
@@ -3771,7 +3772,7 @@
           <a:p>
             <a:r>
               <a:rPr lang="en-US" altLang="en-US" dirty="0"/>
-              <a:t>Hibernate </a:t>
+              <a:t>Example 1 </a:t>
             </a:r>
           </a:p>
         </p:txBody>
@@ -3830,123 +3831,137 @@
           </a:bodyPr>
           <a:lstStyle/>
           <a:p>
-            <a:pPr>
+            <a:pPr marL="0" indent="0">
               <a:lnSpc>
                 <a:spcPct val="90000"/>
               </a:lnSpc>
+              <a:buNone/>
             </a:pPr>
             <a:r>
-              <a:rPr lang="en-US" altLang="en-US" sz="2400" dirty="0">
-                <a:cs typeface="David" panose="020E0502060401010101" pitchFamily="34" charset="-79"/>
-                <a:hlinkClick r:id="rId2"/>
+              <a:rPr lang="en-US" altLang="en-US" sz="2000" dirty="0">
+                <a:latin typeface="Courier New" panose="02070309020205020404" pitchFamily="49" charset="0"/>
+                <a:cs typeface="Courier New" panose="02070309020205020404" pitchFamily="49" charset="0"/>
               </a:rPr>
-              <a:t>http://hibernate.org/orm/</a:t>
-            </a:r>
-            <a:endParaRPr lang="en-US" altLang="en-US" sz="2400" dirty="0">
-              <a:cs typeface="David" panose="020E0502060401010101" pitchFamily="34" charset="-79"/>
-            </a:endParaRPr>
-          </a:p>
-          <a:p>
-            <a:pPr>
+              <a:t>Socket </a:t>
+            </a:r>
+            <a:r>
+              <a:rPr lang="en-US" altLang="en-US" sz="2000" dirty="0" err="1">
+                <a:latin typeface="Courier New" panose="02070309020205020404" pitchFamily="49" charset="0"/>
+                <a:cs typeface="Courier New" panose="02070309020205020404" pitchFamily="49" charset="0"/>
+              </a:rPr>
+              <a:t>socket</a:t>
+            </a:r>
+            <a:r>
+              <a:rPr lang="en-US" altLang="en-US" sz="2000" dirty="0">
+                <a:latin typeface="Courier New" panose="02070309020205020404" pitchFamily="49" charset="0"/>
+                <a:cs typeface="Courier New" panose="02070309020205020404" pitchFamily="49" charset="0"/>
+              </a:rPr>
+              <a:t> = </a:t>
+            </a:r>
+            <a:r>
+              <a:rPr lang="en-US" altLang="en-US" sz="2000" dirty="0" err="1">
+                <a:latin typeface="Courier New" panose="02070309020205020404" pitchFamily="49" charset="0"/>
+                <a:cs typeface="Courier New" panose="02070309020205020404" pitchFamily="49" charset="0"/>
+              </a:rPr>
+              <a:t>getSocket</a:t>
+            </a:r>
+            <a:r>
+              <a:rPr lang="en-US" altLang="en-US" sz="2000" dirty="0">
+                <a:latin typeface="Courier New" panose="02070309020205020404" pitchFamily="49" charset="0"/>
+                <a:cs typeface="Courier New" panose="02070309020205020404" pitchFamily="49" charset="0"/>
+              </a:rPr>
+              <a:t>(type = "TCP")</a:t>
+            </a:r>
+          </a:p>
+          <a:p>
+            <a:pPr marL="0" indent="0">
               <a:lnSpc>
                 <a:spcPct val="90000"/>
               </a:lnSpc>
+              <a:buNone/>
             </a:pPr>
-            <a:r>
-              <a:rPr lang="en-US" altLang="en-US" sz="2400" dirty="0">
-                <a:cs typeface="David" panose="020E0502060401010101" pitchFamily="34" charset="-79"/>
-                <a:hlinkClick r:id="rId3"/>
-              </a:rPr>
-              <a:t>http://hibernate.org/orm/downloads/</a:t>
-            </a:r>
-            <a:endParaRPr lang="en-US" altLang="en-US" sz="2400" dirty="0">
-              <a:cs typeface="David" panose="020E0502060401010101" pitchFamily="34" charset="-79"/>
+            <a:endParaRPr lang="en-US" altLang="en-US" sz="2000" dirty="0">
+              <a:latin typeface="Courier New" panose="02070309020205020404" pitchFamily="49" charset="0"/>
+              <a:cs typeface="Courier New" panose="02070309020205020404" pitchFamily="49" charset="0"/>
             </a:endParaRPr>
           </a:p>
           <a:p>
-            <a:pPr>
+            <a:pPr marL="0" indent="0">
               <a:lnSpc>
                 <a:spcPct val="90000"/>
               </a:lnSpc>
+              <a:buNone/>
             </a:pPr>
-            <a:endParaRPr lang="en-US" altLang="en-US" sz="2400" dirty="0">
-              <a:latin typeface="David" panose="020E0502060401010101" pitchFamily="34" charset="-79"/>
-              <a:cs typeface="David" panose="020E0502060401010101" pitchFamily="34" charset="-79"/>
-            </a:endParaRPr>
-          </a:p>
-          <a:p>
-            <a:pPr>
+            <a:r>
+              <a:rPr lang="en-US" altLang="en-US" sz="2000" dirty="0">
+                <a:latin typeface="Courier New" panose="02070309020205020404" pitchFamily="49" charset="0"/>
+                <a:cs typeface="Courier New" panose="02070309020205020404" pitchFamily="49" charset="0"/>
+              </a:rPr>
+              <a:t>connect(socket, address = "1.2.3.4", port = "80")</a:t>
+            </a:r>
+          </a:p>
+          <a:p>
+            <a:pPr marL="0" indent="0">
               <a:lnSpc>
                 <a:spcPct val="90000"/>
               </a:lnSpc>
+              <a:buNone/>
             </a:pPr>
-            <a:endParaRPr lang="en-US" altLang="en-US" sz="2400" dirty="0"/>
-          </a:p>
-          <a:p>
-            <a:pPr>
+            <a:endParaRPr lang="en-US" altLang="en-US" sz="2000" dirty="0">
+              <a:latin typeface="Courier New" panose="02070309020205020404" pitchFamily="49" charset="0"/>
+              <a:cs typeface="Courier New" panose="02070309020205020404" pitchFamily="49" charset="0"/>
+            </a:endParaRPr>
+          </a:p>
+          <a:p>
+            <a:pPr marL="0" indent="0">
               <a:lnSpc>
                 <a:spcPct val="90000"/>
               </a:lnSpc>
+              <a:buNone/>
             </a:pPr>
-            <a:endParaRPr lang="en-US" altLang="en-US" sz="2400" dirty="0"/>
+            <a:r>
+              <a:rPr lang="en-US" altLang="en-US" sz="2000" dirty="0">
+                <a:latin typeface="Courier New" panose="02070309020205020404" pitchFamily="49" charset="0"/>
+                <a:cs typeface="Courier New" panose="02070309020205020404" pitchFamily="49" charset="0"/>
+              </a:rPr>
+              <a:t>send(socket, "Hello, world!")</a:t>
+            </a:r>
+          </a:p>
+          <a:p>
+            <a:pPr marL="0" indent="0">
+              <a:lnSpc>
+                <a:spcPct val="90000"/>
+              </a:lnSpc>
+              <a:buNone/>
+            </a:pPr>
+            <a:endParaRPr lang="en-US" altLang="en-US" sz="2000" dirty="0">
+              <a:latin typeface="Courier New" panose="02070309020205020404" pitchFamily="49" charset="0"/>
+              <a:cs typeface="Courier New" panose="02070309020205020404" pitchFamily="49" charset="0"/>
+            </a:endParaRPr>
+          </a:p>
+          <a:p>
+            <a:pPr marL="0" indent="0">
+              <a:lnSpc>
+                <a:spcPct val="90000"/>
+              </a:lnSpc>
+              <a:buNone/>
+            </a:pPr>
+            <a:r>
+              <a:rPr lang="en-US" altLang="en-US" sz="2000" dirty="0">
+                <a:latin typeface="Courier New" panose="02070309020205020404" pitchFamily="49" charset="0"/>
+                <a:cs typeface="Courier New" panose="02070309020205020404" pitchFamily="49" charset="0"/>
+              </a:rPr>
+              <a:t>close(socket)</a:t>
+            </a:r>
           </a:p>
         </p:txBody>
       </p:sp>
-      <p:pic>
-        <p:nvPicPr>
-          <p:cNvPr id="3074" name="Picture 2"/>
-          <p:cNvPicPr>
-            <a:picLocks noChangeAspect="1" noChangeArrowheads="1"/>
-          </p:cNvPicPr>
-          <p:nvPr/>
-        </p:nvPicPr>
-        <p:blipFill>
-          <a:blip r:embed="rId4">
-            <a:extLst>
-              <a:ext uri="{28A0092B-C50C-407E-A947-70E740481C1C}">
-                <a14:useLocalDpi xmlns:a14="http://schemas.microsoft.com/office/drawing/2010/main" val="0"/>
-              </a:ext>
-            </a:extLst>
-          </a:blip>
-          <a:srcRect/>
-          <a:stretch>
-            <a:fillRect/>
-          </a:stretch>
-        </p:blipFill>
-        <p:spPr bwMode="auto">
-          <a:xfrm>
-            <a:off x="2743200" y="3352801"/>
-            <a:ext cx="3690404" cy="2743200"/>
-          </a:xfrm>
-          <a:prstGeom prst="rect">
-            <a:avLst/>
-          </a:prstGeom>
-          <a:noFill/>
-          <a:ln>
-            <a:noFill/>
-          </a:ln>
-          <a:extLst>
-            <a:ext uri="{909E8E84-426E-40DD-AFC4-6F175D3DCCD1}">
-              <a14:hiddenFill xmlns:a14="http://schemas.microsoft.com/office/drawing/2010/main">
-                <a:solidFill>
-                  <a:schemeClr val="accent1"/>
-                </a:solidFill>
-              </a14:hiddenFill>
-            </a:ext>
-            <a:ext uri="{91240B29-F687-4F45-9708-019B960494DF}">
-              <a14:hiddenLine xmlns:a14="http://schemas.microsoft.com/office/drawing/2010/main" w="9525">
-                <a:solidFill>
-                  <a:schemeClr val="tx1"/>
-                </a:solidFill>
-                <a:miter lim="800000"/>
-                <a:headEnd/>
-                <a:tailEnd/>
-              </a14:hiddenLine>
-            </a:ext>
-          </a:extLst>
-        </p:spPr>
-      </p:pic>
     </p:spTree>
+    <p:extLst>
+      <p:ext uri="{BB962C8B-B14F-4D97-AF65-F5344CB8AC3E}">
+        <p14:creationId xmlns:p14="http://schemas.microsoft.com/office/powerpoint/2010/main" val="2729736064"/>
+      </p:ext>
+    </p:extLst>
   </p:cSld>
   <p:clrMapOvr>
     <a:masterClrMapping/>
@@ -4051,7 +4066,226 @@
           <a:p>
             <a:r>
               <a:rPr lang="en-US" altLang="en-US" dirty="0"/>
-              <a:t>Hibernate – Part 1 </a:t>
+              <a:t>Demo Time!</a:t>
+            </a:r>
+          </a:p>
+        </p:txBody>
+      </p:sp>
+      <p:sp>
+        <p:nvSpPr>
+          <p:cNvPr id="9221" name="Rectangle 5"/>
+          <p:cNvSpPr>
+            <a:spLocks noGrp="1" noChangeArrowheads="1"/>
+          </p:cNvSpPr>
+          <p:nvPr>
+            <p:ph type="body" idx="1"/>
+          </p:nvPr>
+        </p:nvSpPr>
+        <p:spPr bwMode="auto">
+          <a:xfrm>
+            <a:off x="457200" y="1295400"/>
+            <a:ext cx="8229600" cy="4830763"/>
+          </a:xfrm>
+          <a:noFill/>
+          <a:ln/>
+          <a:extLst>
+            <a:ext uri="{909E8E84-426E-40DD-AFC4-6F175D3DCCD1}">
+              <a14:hiddenFill xmlns:a14="http://schemas.microsoft.com/office/drawing/2010/main">
+                <a:solidFill>
+                  <a:schemeClr val="accent1"/>
+                </a:solidFill>
+              </a14:hiddenFill>
+            </a:ext>
+            <a:ext uri="{91240B29-F687-4F45-9708-019B960494DF}">
+              <a14:hiddenLine xmlns:a14="http://schemas.microsoft.com/office/drawing/2010/main" w="9525">
+                <a:solidFill>
+                  <a:schemeClr val="tx1"/>
+                </a:solidFill>
+                <a:miter lim="800000"/>
+                <a:headEnd/>
+                <a:tailEnd/>
+              </a14:hiddenLine>
+            </a:ext>
+            <a:ext uri="{AF507438-7753-43E0-B8FC-AC1667EBCBE1}">
+              <a14:hiddenEffects xmlns:a14="http://schemas.microsoft.com/office/drawing/2010/main">
+                <a:effectLst>
+                  <a:outerShdw dist="35921" dir="2700000" algn="ctr" rotWithShape="0">
+                    <a:schemeClr val="bg2"/>
+                  </a:outerShdw>
+                </a:effectLst>
+              </a14:hiddenEffects>
+            </a:ext>
+          </a:extLst>
+        </p:spPr>
+        <p:txBody>
+          <a:bodyPr vert="horz" wrap="square" lIns="91440" tIns="45720" rIns="91440" bIns="45720" numCol="1" anchor="t" anchorCtr="0" compatLnSpc="1">
+            <a:prstTxWarp prst="textNoShape">
+              <a:avLst/>
+            </a:prstTxWarp>
+          </a:bodyPr>
+          <a:lstStyle/>
+          <a:p>
+            <a:pPr>
+              <a:lnSpc>
+                <a:spcPct val="90000"/>
+              </a:lnSpc>
+            </a:pPr>
+            <a:endParaRPr lang="en-US" altLang="en-US" sz="2800" dirty="0"/>
+          </a:p>
+        </p:txBody>
+      </p:sp>
+      <p:pic>
+        <p:nvPicPr>
+          <p:cNvPr id="1026" name="Picture 2" descr="http://www.sanfranciscosentinel.com/wp-content/uploads/2013/05/Abbado_0357.jpg"/>
+          <p:cNvPicPr>
+            <a:picLocks noChangeAspect="1" noChangeArrowheads="1"/>
+          </p:cNvPicPr>
+          <p:nvPr/>
+        </p:nvPicPr>
+        <p:blipFill>
+          <a:blip r:embed="rId2" cstate="print">
+            <a:extLst>
+              <a:ext uri="{28A0092B-C50C-407E-A947-70E740481C1C}">
+                <a14:useLocalDpi xmlns:a14="http://schemas.microsoft.com/office/drawing/2010/main" val="0"/>
+              </a:ext>
+            </a:extLst>
+          </a:blip>
+          <a:srcRect/>
+          <a:stretch>
+            <a:fillRect/>
+          </a:stretch>
+        </p:blipFill>
+        <p:spPr bwMode="auto">
+          <a:xfrm>
+            <a:off x="1104900" y="1504367"/>
+            <a:ext cx="6934200" cy="4621796"/>
+          </a:xfrm>
+          <a:prstGeom prst="rect">
+            <a:avLst/>
+          </a:prstGeom>
+          <a:noFill/>
+          <a:extLst>
+            <a:ext uri="{909E8E84-426E-40DD-AFC4-6F175D3DCCD1}">
+              <a14:hiddenFill xmlns:a14="http://schemas.microsoft.com/office/drawing/2010/main">
+                <a:solidFill>
+                  <a:srgbClr val="FFFFFF"/>
+                </a:solidFill>
+              </a14:hiddenFill>
+            </a:ext>
+          </a:extLst>
+        </p:spPr>
+      </p:pic>
+    </p:spTree>
+    <p:extLst>
+      <p:ext uri="{BB962C8B-B14F-4D97-AF65-F5344CB8AC3E}">
+        <p14:creationId xmlns:p14="http://schemas.microsoft.com/office/powerpoint/2010/main" val="2637102212"/>
+      </p:ext>
+    </p:extLst>
+  </p:cSld>
+  <p:clrMapOvr>
+    <a:masterClrMapping/>
+  </p:clrMapOvr>
+</p:sld>
+</file>
+
+<file path=ppt/slides/slide12.xml><?xml version="1.0" encoding="utf-8"?>
+<p:sld xmlns:a="http://schemas.openxmlformats.org/drawingml/2006/main" xmlns:r="http://schemas.openxmlformats.org/officeDocument/2006/relationships" xmlns:p="http://schemas.openxmlformats.org/presentationml/2006/main">
+  <p:cSld>
+    <p:spTree>
+      <p:nvGrpSpPr>
+        <p:cNvPr id="1" name=""/>
+        <p:cNvGrpSpPr/>
+        <p:nvPr/>
+      </p:nvGrpSpPr>
+      <p:grpSpPr>
+        <a:xfrm>
+          <a:off x="0" y="0"/>
+          <a:ext cx="0" cy="0"/>
+          <a:chOff x="0" y="0"/>
+          <a:chExt cx="0" cy="0"/>
+        </a:xfrm>
+      </p:grpSpPr>
+      <p:sp>
+        <p:nvSpPr>
+          <p:cNvPr id="4" name="Slide Number Placeholder 3"/>
+          <p:cNvSpPr>
+            <a:spLocks noGrp="1"/>
+          </p:cNvSpPr>
+          <p:nvPr>
+            <p:ph type="sldNum" sz="quarter" idx="10"/>
+          </p:nvPr>
+        </p:nvSpPr>
+        <p:spPr/>
+        <p:txBody>
+          <a:bodyPr/>
+          <a:lstStyle/>
+          <a:p>
+            <a:fld id="{9CAA6850-6AF0-4A45-8B3A-FEE9E8969215}" type="slidenum">
+              <a:rPr lang="en-US" altLang="en-US"/>
+              <a:pPr/>
+              <a:t>12</a:t>
+            </a:fld>
+            <a:endParaRPr lang="en-US" altLang="en-US"/>
+          </a:p>
+        </p:txBody>
+      </p:sp>
+      <p:sp>
+        <p:nvSpPr>
+          <p:cNvPr id="9220" name="Rectangle 4"/>
+          <p:cNvSpPr>
+            <a:spLocks noGrp="1" noChangeArrowheads="1"/>
+          </p:cNvSpPr>
+          <p:nvPr>
+            <p:ph type="title"/>
+          </p:nvPr>
+        </p:nvSpPr>
+        <p:spPr bwMode="auto">
+          <a:xfrm>
+            <a:off x="457200" y="274638"/>
+            <a:ext cx="8229600" cy="868362"/>
+          </a:xfrm>
+          <a:noFill/>
+          <a:ln/>
+          <a:extLst>
+            <a:ext uri="{909E8E84-426E-40DD-AFC4-6F175D3DCCD1}">
+              <a14:hiddenFill xmlns:a14="http://schemas.microsoft.com/office/drawing/2010/main">
+                <a:solidFill>
+                  <a:schemeClr val="accent1"/>
+                </a:solidFill>
+              </a14:hiddenFill>
+            </a:ext>
+            <a:ext uri="{91240B29-F687-4F45-9708-019B960494DF}">
+              <a14:hiddenLine xmlns:a14="http://schemas.microsoft.com/office/drawing/2010/main" w="9525">
+                <a:solidFill>
+                  <a:schemeClr val="tx1"/>
+                </a:solidFill>
+                <a:miter lim="800000"/>
+                <a:headEnd/>
+                <a:tailEnd/>
+              </a14:hiddenLine>
+            </a:ext>
+            <a:ext uri="{AF507438-7753-43E0-B8FC-AC1667EBCBE1}">
+              <a14:hiddenEffects xmlns:a14="http://schemas.microsoft.com/office/drawing/2010/main">
+                <a:effectLst>
+                  <a:outerShdw dist="35921" dir="2700000" algn="ctr" rotWithShape="0">
+                    <a:schemeClr val="bg2"/>
+                  </a:outerShdw>
+                </a:effectLst>
+              </a14:hiddenEffects>
+            </a:ext>
+          </a:extLst>
+        </p:spPr>
+        <p:txBody>
+          <a:bodyPr vert="horz" wrap="square" lIns="91440" tIns="45720" rIns="91440" bIns="45720" numCol="1" anchor="t" anchorCtr="0" compatLnSpc="1">
+            <a:prstTxWarp prst="textNoShape">
+              <a:avLst/>
+            </a:prstTxWarp>
+          </a:bodyPr>
+          <a:lstStyle/>
+          <a:p>
+            <a:r>
+              <a:rPr lang="en-US" altLang="en-US" dirty="0"/>
+              <a:t>Client and Server Sockets </a:t>
             </a:r>
           </a:p>
         </p:txBody>
@@ -4714,16 +4948,8 @@
               </a:lnSpc>
             </a:pPr>
             <a:r>
-              <a:rPr lang="en-US" altLang="en-US" sz="2800" dirty="0">
-                <a:solidFill>
-                  <a:srgbClr val="FF0000"/>
-                </a:solidFill>
-              </a:rPr>
-              <a:t>O</a:t>
-            </a:r>
-            <a:r>
               <a:rPr lang="en-US" altLang="en-US" sz="2800" dirty="0"/>
-              <a:t>bject</a:t>
+              <a:t>A natural or artificial hollow into which something fits or in which something revolves.</a:t>
             </a:r>
           </a:p>
           <a:p>
@@ -4733,57 +4959,30 @@
               </a:lnSpc>
             </a:pPr>
             <a:r>
-              <a:rPr lang="en-US" altLang="en-US" sz="2800" dirty="0">
-                <a:solidFill>
-                  <a:srgbClr val="FF0000"/>
-                </a:solidFill>
-              </a:rPr>
-              <a:t>R</a:t>
-            </a:r>
-            <a:r>
               <a:rPr lang="en-US" altLang="en-US" sz="2800" dirty="0"/>
-              <a:t>elational </a:t>
-            </a:r>
-          </a:p>
-          <a:p>
-            <a:pPr>
+              <a:t>A socket is one endpoint of a two-way communication link between two programs running on the network. </a:t>
+            </a:r>
+          </a:p>
+          <a:p>
+            <a:pPr lvl="1">
               <a:lnSpc>
                 <a:spcPct val="90000"/>
               </a:lnSpc>
             </a:pPr>
             <a:r>
-              <a:rPr lang="en-US" altLang="en-US" sz="2800" dirty="0">
-                <a:solidFill>
-                  <a:srgbClr val="FF0000"/>
-                </a:solidFill>
-              </a:rPr>
-              <a:t>M</a:t>
-            </a:r>
-            <a:r>
-              <a:rPr lang="en-US" altLang="en-US" sz="2800" dirty="0"/>
-              <a:t>apping</a:t>
-            </a:r>
-          </a:p>
-          <a:p>
-            <a:pPr>
+              <a:rPr lang="en-US" altLang="en-US" sz="2400" dirty="0"/>
+              <a:t>bound to a port number </a:t>
+            </a:r>
+          </a:p>
+          <a:p>
+            <a:pPr lvl="1">
               <a:lnSpc>
                 <a:spcPct val="90000"/>
               </a:lnSpc>
             </a:pPr>
             <a:r>
-              <a:rPr lang="en-US" altLang="en-US" sz="2800" dirty="0"/>
-              <a:t>ORM</a:t>
-            </a:r>
-          </a:p>
-          <a:p>
-            <a:pPr>
-              <a:lnSpc>
-                <a:spcPct val="90000"/>
-              </a:lnSpc>
-            </a:pPr>
-            <a:r>
-              <a:rPr lang="en-US" altLang="en-US" sz="2800" dirty="0"/>
-              <a:t>Created by Gavin King in 2001</a:t>
+              <a:rPr lang="en-US" altLang="en-US" sz="2400" dirty="0"/>
+              <a:t>the TCP layer can identify the application to which data is destined to be sent</a:t>
             </a:r>
           </a:p>
           <a:p>
@@ -4796,70 +4995,6 @@
           </a:p>
         </p:txBody>
       </p:sp>
-      <p:pic>
-        <p:nvPicPr>
-          <p:cNvPr id="2050" name="Picture 2"/>
-          <p:cNvPicPr>
-            <a:picLocks noChangeAspect="1" noChangeArrowheads="1"/>
-          </p:cNvPicPr>
-          <p:nvPr/>
-        </p:nvPicPr>
-        <p:blipFill>
-          <a:blip r:embed="rId2">
-            <a:extLst>
-              <a:ext uri="{28A0092B-C50C-407E-A947-70E740481C1C}">
-                <a14:useLocalDpi xmlns:a14="http://schemas.microsoft.com/office/drawing/2010/main" val="0"/>
-              </a:ext>
-            </a:extLst>
-          </a:blip>
-          <a:srcRect/>
-          <a:stretch>
-            <a:fillRect/>
-          </a:stretch>
-        </p:blipFill>
-        <p:spPr bwMode="auto">
-          <a:xfrm>
-            <a:off x="5410200" y="3810000"/>
-            <a:ext cx="2133600" cy="2133600"/>
-          </a:xfrm>
-          <a:prstGeom prst="rect">
-            <a:avLst/>
-          </a:prstGeom>
-          <a:noFill/>
-          <a:ln>
-            <a:noFill/>
-          </a:ln>
-          <a:effectLst/>
-          <a:extLst>
-            <a:ext uri="{909E8E84-426E-40DD-AFC4-6F175D3DCCD1}">
-              <a14:hiddenFill xmlns:a14="http://schemas.microsoft.com/office/drawing/2010/main">
-                <a:solidFill>
-                  <a:schemeClr val="accent1"/>
-                </a:solidFill>
-              </a14:hiddenFill>
-            </a:ext>
-            <a:ext uri="{91240B29-F687-4F45-9708-019B960494DF}">
-              <a14:hiddenLine xmlns:a14="http://schemas.microsoft.com/office/drawing/2010/main" w="9525">
-                <a:solidFill>
-                  <a:schemeClr val="tx1"/>
-                </a:solidFill>
-                <a:miter lim="800000"/>
-                <a:headEnd/>
-                <a:tailEnd/>
-              </a14:hiddenLine>
-            </a:ext>
-            <a:ext uri="{AF507438-7753-43E0-B8FC-AC1667EBCBE1}">
-              <a14:hiddenEffects xmlns:a14="http://schemas.microsoft.com/office/drawing/2010/main">
-                <a:effectLst>
-                  <a:outerShdw dist="35921" dir="2700000" algn="ctr" rotWithShape="0">
-                    <a:schemeClr val="bg2"/>
-                  </a:outerShdw>
-                </a:effectLst>
-              </a14:hiddenEffects>
-            </a:ext>
-          </a:extLst>
-        </p:spPr>
-      </p:pic>
     </p:spTree>
     <p:extLst>
       <p:ext uri="{BB962C8B-B14F-4D97-AF65-F5344CB8AC3E}">
@@ -4970,7 +5105,7 @@
           <a:p>
             <a:r>
               <a:rPr lang="en-US" altLang="en-US" dirty="0"/>
-              <a:t>What is Hibernate? </a:t>
+              <a:t>Server Side </a:t>
             </a:r>
           </a:p>
         </p:txBody>
@@ -5036,7 +5171,7 @@
             </a:pPr>
             <a:r>
               <a:rPr lang="en-US" altLang="en-US" sz="2800" dirty="0"/>
-              <a:t>Think of an Ice Cream Sandwich</a:t>
+              <a:t>It runs on a specific computer or process</a:t>
             </a:r>
           </a:p>
           <a:p>
@@ -5047,8 +5182,20 @@
             </a:pPr>
             <a:r>
               <a:rPr lang="en-US" altLang="en-US" sz="2800" dirty="0"/>
-              <a:t>Hibernate is the delicious ice cream center</a:t>
-            </a:r>
+              <a:t>Has a socket that is bound to a specific port number. </a:t>
+            </a:r>
+          </a:p>
+          <a:p>
+            <a:pPr>
+              <a:lnSpc>
+                <a:spcPct val="90000"/>
+              </a:lnSpc>
+            </a:pPr>
+            <a:r>
+              <a:rPr lang="en-US" altLang="en-US" sz="2800" dirty="0"/>
+              <a:t>The server just waits, listening to the socket for a client to make a connection request.</a:t>
+            </a:r>
+            <a:endParaRPr lang="en-US" altLang="en-US" sz="2400" dirty="0"/>
           </a:p>
           <a:p>
             <a:pPr>
@@ -5060,64 +5207,10 @@
           </a:p>
         </p:txBody>
       </p:sp>
-      <p:pic>
-        <p:nvPicPr>
-          <p:cNvPr id="3074" name="Picture 2"/>
-          <p:cNvPicPr>
-            <a:picLocks noChangeAspect="1" noChangeArrowheads="1"/>
-          </p:cNvPicPr>
-          <p:nvPr/>
-        </p:nvPicPr>
-        <p:blipFill>
-          <a:blip r:embed="rId2">
-            <a:extLst>
-              <a:ext uri="{28A0092B-C50C-407E-A947-70E740481C1C}">
-                <a14:useLocalDpi xmlns:a14="http://schemas.microsoft.com/office/drawing/2010/main" val="0"/>
-              </a:ext>
-            </a:extLst>
-          </a:blip>
-          <a:srcRect/>
-          <a:stretch>
-            <a:fillRect/>
-          </a:stretch>
-        </p:blipFill>
-        <p:spPr bwMode="auto">
-          <a:xfrm>
-            <a:off x="1771651" y="2471738"/>
-            <a:ext cx="5543549" cy="4157662"/>
-          </a:xfrm>
-          <a:prstGeom prst="rect">
-            <a:avLst/>
-          </a:prstGeom>
-          <a:noFill/>
-          <a:ln>
-            <a:noFill/>
-          </a:ln>
-          <a:extLst>
-            <a:ext uri="{909E8E84-426E-40DD-AFC4-6F175D3DCCD1}">
-              <a14:hiddenFill xmlns:a14="http://schemas.microsoft.com/office/drawing/2010/main">
-                <a:solidFill>
-                  <a:schemeClr val="accent1"/>
-                </a:solidFill>
-              </a14:hiddenFill>
-            </a:ext>
-            <a:ext uri="{91240B29-F687-4F45-9708-019B960494DF}">
-              <a14:hiddenLine xmlns:a14="http://schemas.microsoft.com/office/drawing/2010/main" w="9525">
-                <a:solidFill>
-                  <a:schemeClr val="tx1"/>
-                </a:solidFill>
-                <a:miter lim="800000"/>
-                <a:headEnd/>
-                <a:tailEnd/>
-              </a14:hiddenLine>
-            </a:ext>
-          </a:extLst>
-        </p:spPr>
-      </p:pic>
     </p:spTree>
     <p:extLst>
       <p:ext uri="{BB962C8B-B14F-4D97-AF65-F5344CB8AC3E}">
-        <p14:creationId xmlns:p14="http://schemas.microsoft.com/office/powerpoint/2010/main" val="3848885818"/>
+        <p14:creationId xmlns:p14="http://schemas.microsoft.com/office/powerpoint/2010/main" val="3329420446"/>
       </p:ext>
     </p:extLst>
   </p:cSld>
@@ -5224,7 +5317,7 @@
           <a:p>
             <a:r>
               <a:rPr lang="en-US" altLang="en-US" dirty="0"/>
-              <a:t>What is Hibernate? </a:t>
+              <a:t>Client Side </a:t>
             </a:r>
           </a:p>
         </p:txBody>
@@ -5290,7 +5383,29 @@
             </a:pPr>
             <a:r>
               <a:rPr lang="en-US" altLang="en-US" sz="2800" dirty="0"/>
-              <a:t>Allows mapping from Java classes to database tables</a:t>
+              <a:t>Knows the </a:t>
+            </a:r>
+          </a:p>
+          <a:p>
+            <a:pPr lvl="1">
+              <a:lnSpc>
+                <a:spcPct val="90000"/>
+              </a:lnSpc>
+            </a:pPr>
+            <a:r>
+              <a:rPr lang="en-US" altLang="en-US" sz="2400" dirty="0"/>
+              <a:t>hostname on which the server is running </a:t>
+            </a:r>
+          </a:p>
+          <a:p>
+            <a:pPr lvl="1">
+              <a:lnSpc>
+                <a:spcPct val="90000"/>
+              </a:lnSpc>
+            </a:pPr>
+            <a:r>
+              <a:rPr lang="en-US" altLang="en-US" sz="2400" dirty="0"/>
+              <a:t>port number on which the server is listening </a:t>
             </a:r>
           </a:p>
           <a:p>
@@ -5301,7 +5416,7 @@
             </a:pPr>
             <a:r>
               <a:rPr lang="en-US" altLang="en-US" sz="2800" dirty="0"/>
-              <a:t>Allows mapping from Java data types to SQL data types</a:t>
+              <a:t>To make a connection request, the client tries to rendezvous with the server on the server's machine and port. </a:t>
             </a:r>
           </a:p>
           <a:p>
@@ -5312,56 +5427,9 @@
             </a:pPr>
             <a:r>
               <a:rPr lang="en-US" altLang="en-US" sz="2800" dirty="0"/>
-              <a:t>Sits between </a:t>
-            </a:r>
-            <a:r>
-              <a:rPr lang="en-US" altLang="en-US" sz="2800" dirty="0">
-                <a:solidFill>
-                  <a:srgbClr val="FF0000"/>
-                </a:solidFill>
-              </a:rPr>
-              <a:t>P</a:t>
-            </a:r>
-            <a:r>
-              <a:rPr lang="en-US" altLang="en-US" sz="2800" dirty="0"/>
-              <a:t>lain </a:t>
-            </a:r>
-            <a:r>
-              <a:rPr lang="en-US" altLang="en-US" sz="2800" dirty="0">
-                <a:solidFill>
-                  <a:srgbClr val="FF0000"/>
-                </a:solidFill>
-              </a:rPr>
-              <a:t>O</a:t>
-            </a:r>
-            <a:r>
-              <a:rPr lang="en-US" altLang="en-US" sz="2800" dirty="0"/>
-              <a:t>ld </a:t>
-            </a:r>
-            <a:r>
-              <a:rPr lang="en-US" altLang="en-US" sz="2800" dirty="0">
-                <a:solidFill>
-                  <a:srgbClr val="FF0000"/>
-                </a:solidFill>
-              </a:rPr>
-              <a:t>J</a:t>
-            </a:r>
-            <a:r>
-              <a:rPr lang="en-US" altLang="en-US" sz="2800" dirty="0"/>
-              <a:t>ava </a:t>
-            </a:r>
-            <a:r>
-              <a:rPr lang="en-US" altLang="en-US" sz="2800" dirty="0">
-                <a:solidFill>
-                  <a:srgbClr val="FF0000"/>
-                </a:solidFill>
-              </a:rPr>
-              <a:t>O</a:t>
-            </a:r>
-            <a:r>
-              <a:rPr lang="en-US" altLang="en-US" sz="2800" dirty="0"/>
-              <a:t>bjects (POJOs) &amp; database</a:t>
-            </a:r>
+              <a:t>The client also needs to identify itself to the server so it binds to a local port number that it will use during this connection. </a:t>
+            </a:r>
+            <a:endParaRPr lang="en-US" altLang="en-US" sz="2400" dirty="0"/>
           </a:p>
           <a:p>
             <a:pPr>
@@ -5369,71 +5437,14 @@
                 <a:spcPct val="90000"/>
               </a:lnSpc>
             </a:pPr>
-            <a:r>
-              <a:rPr lang="en-US" altLang="en-US" sz="2800" dirty="0"/>
-              <a:t>Persists objects i.e. in a database table</a:t>
-            </a:r>
+            <a:endParaRPr lang="en-US" altLang="en-US" sz="2400" dirty="0"/>
           </a:p>
         </p:txBody>
       </p:sp>
-      <p:pic>
-        <p:nvPicPr>
-          <p:cNvPr id="2050" name="Picture 2"/>
-          <p:cNvPicPr>
-            <a:picLocks noChangeAspect="1" noChangeArrowheads="1"/>
-          </p:cNvPicPr>
-          <p:nvPr/>
-        </p:nvPicPr>
-        <p:blipFill>
-          <a:blip r:embed="rId2">
-            <a:extLst>
-              <a:ext uri="{28A0092B-C50C-407E-A947-70E740481C1C}">
-                <a14:useLocalDpi xmlns:a14="http://schemas.microsoft.com/office/drawing/2010/main" val="0"/>
-              </a:ext>
-            </a:extLst>
-          </a:blip>
-          <a:srcRect/>
-          <a:stretch>
-            <a:fillRect/>
-          </a:stretch>
-        </p:blipFill>
-        <p:spPr bwMode="auto">
-          <a:xfrm>
-            <a:off x="2017229" y="4629150"/>
-            <a:ext cx="5221771" cy="1543050"/>
-          </a:xfrm>
-          <a:prstGeom prst="rect">
-            <a:avLst/>
-          </a:prstGeom>
-          <a:noFill/>
-          <a:ln>
-            <a:noFill/>
-          </a:ln>
-          <a:extLst>
-            <a:ext uri="{909E8E84-426E-40DD-AFC4-6F175D3DCCD1}">
-              <a14:hiddenFill xmlns:a14="http://schemas.microsoft.com/office/drawing/2010/main">
-                <a:solidFill>
-                  <a:schemeClr val="accent1"/>
-                </a:solidFill>
-              </a14:hiddenFill>
-            </a:ext>
-            <a:ext uri="{91240B29-F687-4F45-9708-019B960494DF}">
-              <a14:hiddenLine xmlns:a14="http://schemas.microsoft.com/office/drawing/2010/main" w="9525">
-                <a:solidFill>
-                  <a:schemeClr val="tx1"/>
-                </a:solidFill>
-                <a:miter lim="800000"/>
-                <a:headEnd/>
-                <a:tailEnd/>
-              </a14:hiddenLine>
-            </a:ext>
-          </a:extLst>
-        </p:spPr>
-      </p:pic>
     </p:spTree>
     <p:extLst>
       <p:ext uri="{BB962C8B-B14F-4D97-AF65-F5344CB8AC3E}">
-        <p14:creationId xmlns:p14="http://schemas.microsoft.com/office/powerpoint/2010/main" val="2637102212"/>
+        <p14:creationId xmlns:p14="http://schemas.microsoft.com/office/powerpoint/2010/main" val="3997026140"/>
       </p:ext>
     </p:extLst>
   </p:cSld>
@@ -5540,7 +5551,7 @@
           <a:p>
             <a:r>
               <a:rPr lang="en-US" altLang="en-US" dirty="0"/>
-              <a:t>What is Hibernate? </a:t>
+              <a:t>How does it work? </a:t>
             </a:r>
           </a:p>
         </p:txBody>
@@ -5606,7 +5617,7 @@
             </a:pPr>
             <a:r>
               <a:rPr lang="en-US" altLang="en-US" sz="2800" dirty="0"/>
-              <a:t>Another view</a:t>
+              <a:t>Server listens</a:t>
             </a:r>
           </a:p>
           <a:p>
@@ -5615,13 +5626,16 @@
                 <a:spcPct val="90000"/>
               </a:lnSpc>
             </a:pPr>
-            <a:endParaRPr lang="en-US" altLang="en-US" sz="2400" dirty="0"/>
+            <a:r>
+              <a:rPr lang="en-US" altLang="en-US" sz="2800" dirty="0"/>
+              <a:t>Client makes a request</a:t>
+            </a:r>
           </a:p>
         </p:txBody>
       </p:sp>
       <p:pic>
         <p:nvPicPr>
-          <p:cNvPr id="4098" name="Picture 2"/>
+          <p:cNvPr id="1026" name="Picture 2" descr="A client's connection request"/>
           <p:cNvPicPr>
             <a:picLocks noChangeAspect="1" noChangeArrowheads="1"/>
           </p:cNvPicPr>
@@ -5642,33 +5656,20 @@
         </p:blipFill>
         <p:spPr bwMode="auto">
           <a:xfrm>
-            <a:off x="2447925" y="1885950"/>
-            <a:ext cx="4181475" cy="4486086"/>
+            <a:off x="1294229" y="3276600"/>
+            <a:ext cx="6555541" cy="1589882"/>
           </a:xfrm>
           <a:prstGeom prst="rect">
             <a:avLst/>
           </a:prstGeom>
           <a:noFill/>
-          <a:ln>
-            <a:noFill/>
-          </a:ln>
           <a:extLst>
             <a:ext uri="{909E8E84-426E-40DD-AFC4-6F175D3DCCD1}">
               <a14:hiddenFill xmlns:a14="http://schemas.microsoft.com/office/drawing/2010/main">
                 <a:solidFill>
-                  <a:schemeClr val="accent1"/>
+                  <a:srgbClr val="FFFFFF"/>
                 </a:solidFill>
               </a14:hiddenFill>
-            </a:ext>
-            <a:ext uri="{91240B29-F687-4F45-9708-019B960494DF}">
-              <a14:hiddenLine xmlns:a14="http://schemas.microsoft.com/office/drawing/2010/main" w="9525">
-                <a:solidFill>
-                  <a:schemeClr val="tx1"/>
-                </a:solidFill>
-                <a:miter lim="800000"/>
-                <a:headEnd/>
-                <a:tailEnd/>
-              </a14:hiddenLine>
             </a:ext>
           </a:extLst>
         </p:spPr>
@@ -5676,7 +5677,7 @@
     </p:spTree>
     <p:extLst>
       <p:ext uri="{BB962C8B-B14F-4D97-AF65-F5344CB8AC3E}">
-        <p14:creationId xmlns:p14="http://schemas.microsoft.com/office/powerpoint/2010/main" val="1121586506"/>
+        <p14:creationId xmlns:p14="http://schemas.microsoft.com/office/powerpoint/2010/main" val="2519372680"/>
       </p:ext>
     </p:extLst>
   </p:cSld>
@@ -5705,7 +5706,7 @@
       </p:grpSpPr>
       <p:sp>
         <p:nvSpPr>
-          <p:cNvPr id="5" name="Slide Number Placeholder 3"/>
+          <p:cNvPr id="4" name="Slide Number Placeholder 3"/>
           <p:cNvSpPr>
             <a:spLocks noGrp="1"/>
           </p:cNvSpPr>
@@ -5718,7 +5719,7 @@
           <a:bodyPr/>
           <a:lstStyle/>
           <a:p>
-            <a:fld id="{71CF2387-FE23-4CEB-BE18-9FF488A9C3C6}" type="slidenum">
+            <a:fld id="{9CAA6850-6AF0-4A45-8B3A-FEE9E8969215}" type="slidenum">
               <a:rPr lang="en-US" altLang="en-US"/>
               <a:pPr/>
               <a:t>7</a:t>
@@ -5729,7 +5730,7 @@
       </p:sp>
       <p:sp>
         <p:nvSpPr>
-          <p:cNvPr id="26626" name="Rectangle 2"/>
+          <p:cNvPr id="9220" name="Rectangle 4"/>
           <p:cNvSpPr>
             <a:spLocks noGrp="1" noChangeArrowheads="1"/>
           </p:cNvSpPr>
@@ -5738,6 +5739,10 @@
           </p:nvPr>
         </p:nvSpPr>
         <p:spPr bwMode="auto">
+          <a:xfrm>
+            <a:off x="457200" y="274638"/>
+            <a:ext cx="8229600" cy="868362"/>
+          </a:xfrm>
           <a:noFill/>
           <a:ln/>
           <a:extLst>
@@ -5779,14 +5784,14 @@
           <a:p>
             <a:r>
               <a:rPr lang="en-US" altLang="en-US" dirty="0"/>
-              <a:t>What is Hibernate?</a:t>
+              <a:t>How does it work? </a:t>
             </a:r>
           </a:p>
         </p:txBody>
       </p:sp>
       <p:sp>
         <p:nvSpPr>
-          <p:cNvPr id="26627" name="Rectangle 3"/>
+          <p:cNvPr id="9221" name="Rectangle 5"/>
           <p:cNvSpPr>
             <a:spLocks noGrp="1" noChangeArrowheads="1"/>
           </p:cNvSpPr>
@@ -5796,8 +5801,8 @@
         </p:nvSpPr>
         <p:spPr bwMode="auto">
           <a:xfrm>
-            <a:off x="457200" y="1341438"/>
-            <a:ext cx="8229600" cy="4784725"/>
+            <a:off x="457200" y="1295400"/>
+            <a:ext cx="8229600" cy="4830763"/>
           </a:xfrm>
           <a:noFill/>
           <a:ln/>
@@ -5840,223 +5845,89 @@
           <a:p>
             <a:pPr>
               <a:lnSpc>
-                <a:spcPct val="80000"/>
+                <a:spcPct val="90000"/>
               </a:lnSpc>
             </a:pPr>
             <a:r>
-              <a:rPr lang="en-US" altLang="en-US" sz="2400" dirty="0"/>
-              <a:t>Object / Relational mapping (ORM) and persistence / query framework</a:t>
+              <a:rPr lang="en-US" altLang="en-US" sz="2800" dirty="0"/>
+              <a:t>Server accepts the connection</a:t>
+            </a:r>
+          </a:p>
+          <a:p>
+            <a:pPr>
+              <a:lnSpc>
+                <a:spcPct val="90000"/>
+              </a:lnSpc>
+            </a:pPr>
+            <a:r>
+              <a:rPr lang="en-US" altLang="en-US" sz="2800" dirty="0"/>
+              <a:t>Server gets a new socket bound to the same local port and also has its remote endpoint set to the address and port of the client. </a:t>
             </a:r>
           </a:p>
           <a:p>
             <a:pPr lvl="1">
               <a:lnSpc>
-                <a:spcPct val="80000"/>
+                <a:spcPct val="90000"/>
               </a:lnSpc>
             </a:pPr>
             <a:r>
-              <a:rPr lang="en-US" altLang="en-US" sz="1600" dirty="0"/>
-              <a:t>i.e. It does even more stuff for you!</a:t>
-            </a:r>
-            <a:endParaRPr lang="en-US" altLang="en-US" sz="1800" dirty="0"/>
-          </a:p>
-          <a:p>
-            <a:pPr>
-              <a:lnSpc>
-                <a:spcPct val="80000"/>
-              </a:lnSpc>
-            </a:pPr>
-            <a:r>
               <a:rPr lang="en-US" altLang="en-US" sz="2400" dirty="0"/>
-              <a:t>Some features of Hibernate</a:t>
-            </a:r>
-          </a:p>
-          <a:p>
-            <a:pPr lvl="1">
-              <a:lnSpc>
-                <a:spcPct val="80000"/>
-              </a:lnSpc>
-            </a:pPr>
-            <a:r>
-              <a:rPr lang="en-US" altLang="en-US" sz="1600" dirty="0" err="1"/>
-              <a:t>HibernateDaoSupport</a:t>
-            </a:r>
-            <a:r>
-              <a:rPr lang="en-US" altLang="en-US" sz="1600" dirty="0"/>
-              <a:t> – superclass, easy </a:t>
-            </a:r>
-            <a:r>
-              <a:rPr lang="en-US" altLang="en-US" sz="1600" dirty="0" err="1"/>
-              <a:t>HibernateTemplate</a:t>
-            </a:r>
-            <a:r>
-              <a:rPr lang="en-US" altLang="en-US" sz="1600" dirty="0"/>
-              <a:t> access</a:t>
-            </a:r>
-          </a:p>
-          <a:p>
-            <a:pPr lvl="1">
-              <a:lnSpc>
-                <a:spcPct val="80000"/>
-              </a:lnSpc>
-            </a:pPr>
-            <a:r>
-              <a:rPr lang="en-US" altLang="en-US" sz="1600" dirty="0"/>
-              <a:t>Database independence - sits between the database and your java code, easy database switch without changing any code</a:t>
-            </a:r>
-          </a:p>
-          <a:p>
-            <a:pPr lvl="1">
-              <a:lnSpc>
-                <a:spcPct val="80000"/>
-              </a:lnSpc>
-            </a:pPr>
-            <a:r>
-              <a:rPr lang="en-US" altLang="en-US" sz="1600" dirty="0"/>
-              <a:t>Object / Relational Mapping (ORM) - Allows a developer to treat a database like a collection of POJOs</a:t>
-            </a:r>
-          </a:p>
-          <a:p>
-            <a:pPr lvl="1">
-              <a:lnSpc>
-                <a:spcPct val="80000"/>
-              </a:lnSpc>
-            </a:pPr>
-            <a:r>
-              <a:rPr lang="en-US" altLang="en-US" sz="1600" dirty="0"/>
-              <a:t>Object oriented query language (HQL) - *Portable* query language, supports polymorphic queries etc.</a:t>
-            </a:r>
-          </a:p>
-          <a:p>
-            <a:pPr lvl="1">
-              <a:lnSpc>
-                <a:spcPct val="80000"/>
-              </a:lnSpc>
-            </a:pPr>
-            <a:r>
-              <a:rPr lang="en-US" altLang="en-US" sz="1600" dirty="0"/>
-              <a:t>You can still issue native SQL, and also queries by “Criteria” (specified using “parse tree” of Java objects)</a:t>
-            </a:r>
-          </a:p>
-          <a:p>
-            <a:pPr lvl="1">
-              <a:lnSpc>
-                <a:spcPct val="80000"/>
-              </a:lnSpc>
-            </a:pPr>
-            <a:r>
-              <a:rPr lang="en-US" altLang="en-US" sz="1600" dirty="0"/>
-              <a:t>Hibernate Mapping - Uses HBM XML files to map value objects (POJOs) to database tables </a:t>
-            </a:r>
-          </a:p>
-          <a:p>
-            <a:pPr lvl="1">
-              <a:lnSpc>
-                <a:spcPct val="80000"/>
-              </a:lnSpc>
-            </a:pPr>
-            <a:r>
-              <a:rPr lang="en-US" altLang="en-US" sz="1600" dirty="0"/>
-              <a:t>Transparent persistence - Allows easy saves/delete/retrieve for simple value objects</a:t>
-            </a:r>
-          </a:p>
-          <a:p>
-            <a:pPr lvl="1">
-              <a:lnSpc>
-                <a:spcPct val="80000"/>
-              </a:lnSpc>
-            </a:pPr>
-            <a:r>
-              <a:rPr lang="en-US" altLang="en-US" sz="1600" dirty="0"/>
-              <a:t>Very high performance “in general” due to intelligent (2-level) caching, although in a few cases hand-written SQL might beat it</a:t>
+              <a:t>It needs a new socket so that it can continue to listen to the original socket for connection requests while tending to the needs of the connected client.</a:t>
             </a:r>
           </a:p>
         </p:txBody>
       </p:sp>
-      <p:sp>
-        <p:nvSpPr>
-          <p:cNvPr id="26628" name="Text Box 4"/>
-          <p:cNvSpPr txBox="1">
-            <a:spLocks noChangeArrowheads="1"/>
-          </p:cNvSpPr>
+      <p:pic>
+        <p:nvPicPr>
+          <p:cNvPr id="2050" name="Picture 2" descr="The connection is made"/>
+          <p:cNvPicPr>
+            <a:picLocks noChangeAspect="1" noChangeArrowheads="1"/>
+          </p:cNvPicPr>
           <p:nvPr/>
-        </p:nvSpPr>
+        </p:nvPicPr>
+        <p:blipFill>
+          <a:blip r:embed="rId2">
+            <a:extLst>
+              <a:ext uri="{28A0092B-C50C-407E-A947-70E740481C1C}">
+                <a14:useLocalDpi xmlns:a14="http://schemas.microsoft.com/office/drawing/2010/main" val="0"/>
+              </a:ext>
+            </a:extLst>
+          </a:blip>
+          <a:srcRect/>
+          <a:stretch>
+            <a:fillRect/>
+          </a:stretch>
+        </p:blipFill>
         <p:spPr bwMode="auto">
           <a:xfrm>
-            <a:off x="1371600" y="6324600"/>
-            <a:ext cx="3449638" cy="366713"/>
+            <a:off x="1600200" y="4267200"/>
+            <a:ext cx="5682463" cy="1661320"/>
           </a:xfrm>
           <a:prstGeom prst="rect">
             <a:avLst/>
           </a:prstGeom>
           <a:noFill/>
-          <a:ln>
-            <a:noFill/>
-          </a:ln>
-          <a:effectLst/>
           <a:extLst>
             <a:ext uri="{909E8E84-426E-40DD-AFC4-6F175D3DCCD1}">
               <a14:hiddenFill xmlns:a14="http://schemas.microsoft.com/office/drawing/2010/main">
                 <a:solidFill>
-                  <a:schemeClr val="accent1"/>
+                  <a:srgbClr val="FFFFFF"/>
                 </a:solidFill>
               </a14:hiddenFill>
-            </a:ext>
-            <a:ext uri="{91240B29-F687-4F45-9708-019B960494DF}">
-              <a14:hiddenLine xmlns:a14="http://schemas.microsoft.com/office/drawing/2010/main" w="9525">
-                <a:solidFill>
-                  <a:schemeClr val="tx1"/>
-                </a:solidFill>
-                <a:miter lim="800000"/>
-                <a:headEnd/>
-                <a:tailEnd/>
-              </a14:hiddenLine>
-            </a:ext>
-            <a:ext uri="{AF507438-7753-43E0-B8FC-AC1667EBCBE1}">
-              <a14:hiddenEffects xmlns:a14="http://schemas.microsoft.com/office/drawing/2010/main">
-                <a:effectLst>
-                  <a:outerShdw dist="35921" dir="2700000" algn="ctr" rotWithShape="0">
-                    <a:schemeClr val="bg2"/>
-                  </a:outerShdw>
-                </a:effectLst>
-              </a14:hiddenEffects>
             </a:ext>
           </a:extLst>
         </p:spPr>
-        <p:txBody>
-          <a:bodyPr wrap="none">
-            <a:spAutoFit/>
-          </a:bodyPr>
-          <a:lstStyle/>
-          <a:p>
-            <a:r>
-              <a:rPr lang="en-US" altLang="en-US"/>
-              <a:t>From: </a:t>
-            </a:r>
-            <a:r>
-              <a:rPr lang="en-US" altLang="en-US">
-                <a:hlinkClick r:id="rId2"/>
-              </a:rPr>
-              <a:t>http://www.hibernate.org/</a:t>
-            </a:r>
-            <a:r>
-              <a:rPr lang="en-US" altLang="en-US"/>
-              <a:t> </a:t>
-            </a:r>
-          </a:p>
-        </p:txBody>
-      </p:sp>
+      </p:pic>
     </p:spTree>
     <p:extLst>
       <p:ext uri="{BB962C8B-B14F-4D97-AF65-F5344CB8AC3E}">
-        <p14:creationId xmlns:p14="http://schemas.microsoft.com/office/powerpoint/2010/main" val="2705943161"/>
+        <p14:creationId xmlns:p14="http://schemas.microsoft.com/office/powerpoint/2010/main" val="1176249945"/>
       </p:ext>
     </p:extLst>
   </p:cSld>
   <p:clrMapOvr>
     <a:masterClrMapping/>
   </p:clrMapOvr>
-  <p:transition/>
 </p:sld>
 </file>
 
@@ -6157,7 +6028,7 @@
           <a:p>
             <a:r>
               <a:rPr lang="en-US" altLang="en-US" dirty="0"/>
-              <a:t>What is Hibernate? </a:t>
+              <a:t>How does it work? </a:t>
             </a:r>
           </a:p>
         </p:txBody>
@@ -6223,51 +6094,7 @@
             </a:pPr>
             <a:r>
               <a:rPr lang="en-US" altLang="en-US" sz="2800" dirty="0"/>
-              <a:t>Databases</a:t>
-            </a:r>
-          </a:p>
-          <a:p>
-            <a:pPr lvl="1">
-              <a:lnSpc>
-                <a:spcPct val="90000"/>
-              </a:lnSpc>
-            </a:pPr>
-            <a:r>
-              <a:rPr lang="en-US" altLang="en-US" sz="2400" dirty="0"/>
-              <a:t>MySQL</a:t>
-            </a:r>
-          </a:p>
-          <a:p>
-            <a:pPr lvl="1">
-              <a:lnSpc>
-                <a:spcPct val="90000"/>
-              </a:lnSpc>
-            </a:pPr>
-            <a:r>
-              <a:rPr lang="en-US" altLang="en-US" sz="2400" dirty="0"/>
-              <a:t>Oracle</a:t>
-            </a:r>
-          </a:p>
-          <a:p>
-            <a:pPr lvl="1">
-              <a:lnSpc>
-                <a:spcPct val="90000"/>
-              </a:lnSpc>
-            </a:pPr>
-            <a:r>
-              <a:rPr lang="en-US" altLang="en-US" sz="2400" dirty="0"/>
-              <a:t>Microsoft SQL Server</a:t>
-            </a:r>
-          </a:p>
-          <a:p>
-            <a:pPr lvl="1">
-              <a:lnSpc>
-                <a:spcPct val="90000"/>
-              </a:lnSpc>
-            </a:pPr>
-            <a:r>
-              <a:rPr lang="en-US" altLang="en-US" sz="2400" dirty="0"/>
-              <a:t>PostgreSQL</a:t>
+              <a:t>On the client side, if the connection is accepted, a socket is successfully created and the client can use the socket to communicate with the server.</a:t>
             </a:r>
           </a:p>
           <a:p>
@@ -6276,13 +6103,17 @@
                 <a:spcPct val="90000"/>
               </a:lnSpc>
             </a:pPr>
-            <a:endParaRPr lang="en-US" altLang="en-US" sz="2800" dirty="0"/>
+            <a:r>
+              <a:rPr lang="en-US" altLang="en-US" sz="2800" dirty="0"/>
+              <a:t>The client and server can now communicate by writing to or reading from their sockets.</a:t>
+            </a:r>
+            <a:endParaRPr lang="en-US" altLang="en-US" sz="2400" dirty="0"/>
           </a:p>
         </p:txBody>
       </p:sp>
       <p:pic>
         <p:nvPicPr>
-          <p:cNvPr id="5122" name="Picture 2"/>
+          <p:cNvPr id="2050" name="Picture 2" descr="The connection is made"/>
           <p:cNvPicPr>
             <a:picLocks noChangeAspect="1" noChangeArrowheads="1"/>
           </p:cNvPicPr>
@@ -6303,195 +6134,20 @@
         </p:blipFill>
         <p:spPr bwMode="auto">
           <a:xfrm>
-            <a:off x="5715000" y="2971800"/>
-            <a:ext cx="2266950" cy="2009775"/>
+            <a:off x="1600200" y="4267200"/>
+            <a:ext cx="5682463" cy="1661320"/>
           </a:xfrm>
           <a:prstGeom prst="rect">
             <a:avLst/>
           </a:prstGeom>
           <a:noFill/>
-          <a:ln>
-            <a:noFill/>
-          </a:ln>
           <a:extLst>
             <a:ext uri="{909E8E84-426E-40DD-AFC4-6F175D3DCCD1}">
               <a14:hiddenFill xmlns:a14="http://schemas.microsoft.com/office/drawing/2010/main">
                 <a:solidFill>
-                  <a:schemeClr val="accent1"/>
+                  <a:srgbClr val="FFFFFF"/>
                 </a:solidFill>
               </a14:hiddenFill>
-            </a:ext>
-            <a:ext uri="{91240B29-F687-4F45-9708-019B960494DF}">
-              <a14:hiddenLine xmlns:a14="http://schemas.microsoft.com/office/drawing/2010/main" w="9525">
-                <a:solidFill>
-                  <a:schemeClr val="tx1"/>
-                </a:solidFill>
-                <a:miter lim="800000"/>
-                <a:headEnd/>
-                <a:tailEnd/>
-              </a14:hiddenLine>
-            </a:ext>
-          </a:extLst>
-        </p:spPr>
-      </p:pic>
-      <p:pic>
-        <p:nvPicPr>
-          <p:cNvPr id="5123" name="Picture 3"/>
-          <p:cNvPicPr>
-            <a:picLocks noChangeAspect="1" noChangeArrowheads="1"/>
-          </p:cNvPicPr>
-          <p:nvPr/>
-        </p:nvPicPr>
-        <p:blipFill>
-          <a:blip r:embed="rId3">
-            <a:extLst>
-              <a:ext uri="{28A0092B-C50C-407E-A947-70E740481C1C}">
-                <a14:useLocalDpi xmlns:a14="http://schemas.microsoft.com/office/drawing/2010/main" val="0"/>
-              </a:ext>
-            </a:extLst>
-          </a:blip>
-          <a:srcRect/>
-          <a:stretch>
-            <a:fillRect/>
-          </a:stretch>
-        </p:blipFill>
-        <p:spPr bwMode="auto">
-          <a:xfrm>
-            <a:off x="5338762" y="5029200"/>
-            <a:ext cx="2428875" cy="1495425"/>
-          </a:xfrm>
-          <a:prstGeom prst="rect">
-            <a:avLst/>
-          </a:prstGeom>
-          <a:noFill/>
-          <a:ln>
-            <a:noFill/>
-          </a:ln>
-          <a:extLst>
-            <a:ext uri="{909E8E84-426E-40DD-AFC4-6F175D3DCCD1}">
-              <a14:hiddenFill xmlns:a14="http://schemas.microsoft.com/office/drawing/2010/main">
-                <a:solidFill>
-                  <a:schemeClr val="accent1"/>
-                </a:solidFill>
-              </a14:hiddenFill>
-            </a:ext>
-            <a:ext uri="{91240B29-F687-4F45-9708-019B960494DF}">
-              <a14:hiddenLine xmlns:a14="http://schemas.microsoft.com/office/drawing/2010/main" w="9525">
-                <a:solidFill>
-                  <a:schemeClr val="tx1"/>
-                </a:solidFill>
-                <a:miter lim="800000"/>
-                <a:headEnd/>
-                <a:tailEnd/>
-              </a14:hiddenLine>
-            </a:ext>
-          </a:extLst>
-        </p:spPr>
-      </p:pic>
-      <p:pic>
-        <p:nvPicPr>
-          <p:cNvPr id="5124" name="Picture 4"/>
-          <p:cNvPicPr>
-            <a:picLocks noChangeAspect="1" noChangeArrowheads="1"/>
-          </p:cNvPicPr>
-          <p:nvPr/>
-        </p:nvPicPr>
-        <p:blipFill>
-          <a:blip r:embed="rId4">
-            <a:extLst>
-              <a:ext uri="{28A0092B-C50C-407E-A947-70E740481C1C}">
-                <a14:useLocalDpi xmlns:a14="http://schemas.microsoft.com/office/drawing/2010/main" val="0"/>
-              </a:ext>
-            </a:extLst>
-          </a:blip>
-          <a:srcRect/>
-          <a:stretch>
-            <a:fillRect/>
-          </a:stretch>
-        </p:blipFill>
-        <p:spPr bwMode="auto">
-          <a:xfrm>
-            <a:off x="152401" y="5410329"/>
-            <a:ext cx="4038600" cy="1255240"/>
-          </a:xfrm>
-          <a:prstGeom prst="rect">
-            <a:avLst/>
-          </a:prstGeom>
-          <a:noFill/>
-          <a:ln>
-            <a:noFill/>
-          </a:ln>
-          <a:extLst>
-            <a:ext uri="{909E8E84-426E-40DD-AFC4-6F175D3DCCD1}">
-              <a14:hiddenFill xmlns:a14="http://schemas.microsoft.com/office/drawing/2010/main">
-                <a:solidFill>
-                  <a:schemeClr val="accent1"/>
-                </a:solidFill>
-              </a14:hiddenFill>
-            </a:ext>
-            <a:ext uri="{91240B29-F687-4F45-9708-019B960494DF}">
-              <a14:hiddenLine xmlns:a14="http://schemas.microsoft.com/office/drawing/2010/main" w="9525">
-                <a:solidFill>
-                  <a:schemeClr val="tx1"/>
-                </a:solidFill>
-                <a:miter lim="800000"/>
-                <a:headEnd/>
-                <a:tailEnd/>
-              </a14:hiddenLine>
-            </a:ext>
-          </a:extLst>
-        </p:spPr>
-      </p:pic>
-      <p:pic>
-        <p:nvPicPr>
-          <p:cNvPr id="5125" name="Picture 5"/>
-          <p:cNvPicPr>
-            <a:picLocks noChangeAspect="1" noChangeArrowheads="1"/>
-          </p:cNvPicPr>
-          <p:nvPr/>
-        </p:nvPicPr>
-        <p:blipFill>
-          <a:blip r:embed="rId5" cstate="print">
-            <a:extLst>
-              <a:ext uri="{28A0092B-C50C-407E-A947-70E740481C1C}">
-                <a14:useLocalDpi xmlns:a14="http://schemas.microsoft.com/office/drawing/2010/main" val="0"/>
-              </a:ext>
-            </a:extLst>
-          </a:blip>
-          <a:srcRect/>
-          <a:stretch>
-            <a:fillRect/>
-          </a:stretch>
-        </p:blipFill>
-        <p:spPr bwMode="auto">
-          <a:xfrm>
-            <a:off x="457200" y="3508198"/>
-            <a:ext cx="3824287" cy="1597202"/>
-          </a:xfrm>
-          <a:prstGeom prst="rect">
-            <a:avLst/>
-          </a:prstGeom>
-          <a:noFill/>
-          <a:ln>
-            <a:noFill/>
-          </a:ln>
-          <a:extLst>
-            <a:ext uri="{909E8E84-426E-40DD-AFC4-6F175D3DCCD1}">
-              <a14:hiddenFill xmlns:a14="http://schemas.microsoft.com/office/drawing/2010/main">
-                <a:solidFill>
-                  <a:schemeClr val="accent1"/>
-                </a:solidFill>
-              </a14:hiddenFill>
-            </a:ext>
-            <a:ext uri="{91240B29-F687-4F45-9708-019B960494DF}">
-              <a14:hiddenLine xmlns:a14="http://schemas.microsoft.com/office/drawing/2010/main" w="9525">
-                <a:solidFill>
-                  <a:schemeClr val="tx1"/>
-                </a:solidFill>
-                <a:miter lim="800000"/>
-                <a:headEnd/>
-                <a:tailEnd/>
-              </a14:hiddenLine>
             </a:ext>
           </a:extLst>
         </p:spPr>
@@ -6499,7 +6155,7 @@
     </p:spTree>
     <p:extLst>
       <p:ext uri="{BB962C8B-B14F-4D97-AF65-F5344CB8AC3E}">
-        <p14:creationId xmlns:p14="http://schemas.microsoft.com/office/powerpoint/2010/main" val="3387741627"/>
+        <p14:creationId xmlns:p14="http://schemas.microsoft.com/office/powerpoint/2010/main" val="3724884953"/>
       </p:ext>
     </p:extLst>
   </p:cSld>
@@ -6606,7 +6262,7 @@
           <a:p>
             <a:r>
               <a:rPr lang="en-US" altLang="en-US" dirty="0"/>
-              <a:t>What is Hibernate? </a:t>
+              <a:t>Example 1 </a:t>
             </a:r>
           </a:p>
         </p:txBody>
@@ -6672,250 +6328,68 @@
             </a:pPr>
             <a:r>
               <a:rPr lang="en-US" altLang="en-US" sz="2800" dirty="0"/>
-              <a:t>Hibernate Query Language (HQL)</a:t>
-            </a:r>
-          </a:p>
-          <a:p>
-            <a:pPr lvl="1">
+              <a:t>To send "Hello, world!" via TCP to port 80 of the host with address 1.2.3.4 </a:t>
+            </a:r>
+          </a:p>
+          <a:p>
+            <a:pPr marL="914400" lvl="1" indent="-457200">
               <a:lnSpc>
                 <a:spcPct val="90000"/>
               </a:lnSpc>
+              <a:buFont typeface="+mj-lt"/>
+              <a:buAutoNum type="arabicPeriod"/>
             </a:pPr>
             <a:r>
               <a:rPr lang="en-US" altLang="en-US" sz="2400" dirty="0"/>
-              <a:t>Object-oriented</a:t>
-            </a:r>
-          </a:p>
-          <a:p>
-            <a:pPr lvl="1">
+              <a:t>get a socket </a:t>
+            </a:r>
+          </a:p>
+          <a:p>
+            <a:pPr marL="914400" lvl="1" indent="-457200">
               <a:lnSpc>
                 <a:spcPct val="90000"/>
               </a:lnSpc>
+              <a:buFont typeface="+mj-lt"/>
+              <a:buAutoNum type="arabicPeriod"/>
             </a:pPr>
             <a:r>
               <a:rPr lang="en-US" altLang="en-US" sz="2400" dirty="0"/>
-              <a:t>Similar to SQL</a:t>
-            </a:r>
-          </a:p>
-          <a:p>
-            <a:pPr lvl="1">
+              <a:t>connect it to the remote host </a:t>
+            </a:r>
+          </a:p>
+          <a:p>
+            <a:pPr marL="914400" lvl="1" indent="-457200">
               <a:lnSpc>
                 <a:spcPct val="90000"/>
               </a:lnSpc>
+              <a:buFont typeface="+mj-lt"/>
+              <a:buAutoNum type="arabicPeriod"/>
             </a:pPr>
             <a:r>
               <a:rPr lang="en-US" altLang="en-US" sz="2400" dirty="0"/>
-              <a:t>Use this instead of SQL in your code</a:t>
-            </a:r>
-          </a:p>
-          <a:p>
-            <a:pPr lvl="1">
+              <a:t>send the string</a:t>
+            </a:r>
+          </a:p>
+          <a:p>
+            <a:pPr marL="914400" lvl="1" indent="-457200">
               <a:lnSpc>
                 <a:spcPct val="90000"/>
               </a:lnSpc>
+              <a:buFont typeface="+mj-lt"/>
+              <a:buAutoNum type="arabicPeriod"/>
             </a:pPr>
             <a:r>
               <a:rPr lang="en-US" altLang="en-US" sz="2400" dirty="0"/>
-              <a:t>Makes your code more portable</a:t>
-            </a:r>
-          </a:p>
-          <a:p>
-            <a:pPr lvl="1">
-              <a:lnSpc>
-                <a:spcPct val="90000"/>
-              </a:lnSpc>
-            </a:pPr>
-            <a:r>
-              <a:rPr lang="en-US" altLang="en-US" sz="2400" dirty="0"/>
-              <a:t>Real life example – FamilySearch</a:t>
-            </a:r>
-          </a:p>
-          <a:p>
-            <a:pPr lvl="2">
-              <a:lnSpc>
-                <a:spcPct val="90000"/>
-              </a:lnSpc>
-            </a:pPr>
-            <a:r>
-              <a:rPr lang="en-US" altLang="en-US" sz="2000" dirty="0"/>
-              <a:t>Convert Oracle to PostgreSQL</a:t>
-            </a:r>
+              <a:t>close the socket</a:t>
+            </a:r>
+            <a:endParaRPr lang="en-US" altLang="en-US" sz="2000" dirty="0"/>
           </a:p>
         </p:txBody>
       </p:sp>
-      <p:pic>
-        <p:nvPicPr>
-          <p:cNvPr id="1026" name="Picture 2"/>
-          <p:cNvPicPr>
-            <a:picLocks noChangeAspect="1" noChangeArrowheads="1"/>
-          </p:cNvPicPr>
-          <p:nvPr/>
-        </p:nvPicPr>
-        <p:blipFill>
-          <a:blip r:embed="rId2">
-            <a:extLst>
-              <a:ext uri="{28A0092B-C50C-407E-A947-70E740481C1C}">
-                <a14:useLocalDpi xmlns:a14="http://schemas.microsoft.com/office/drawing/2010/main" val="0"/>
-              </a:ext>
-            </a:extLst>
-          </a:blip>
-          <a:srcRect/>
-          <a:stretch>
-            <a:fillRect/>
-          </a:stretch>
-        </p:blipFill>
-        <p:spPr bwMode="auto">
-          <a:xfrm>
-            <a:off x="282497" y="4492624"/>
-            <a:ext cx="4041775" cy="1249363"/>
-          </a:xfrm>
-          <a:prstGeom prst="rect">
-            <a:avLst/>
-          </a:prstGeom>
-          <a:noFill/>
-          <a:ln>
-            <a:noFill/>
-          </a:ln>
-          <a:effectLst/>
-          <a:extLst>
-            <a:ext uri="{909E8E84-426E-40DD-AFC4-6F175D3DCCD1}">
-              <a14:hiddenFill xmlns:a14="http://schemas.microsoft.com/office/drawing/2010/main">
-                <a:solidFill>
-                  <a:schemeClr val="accent1"/>
-                </a:solidFill>
-              </a14:hiddenFill>
-            </a:ext>
-            <a:ext uri="{91240B29-F687-4F45-9708-019B960494DF}">
-              <a14:hiddenLine xmlns:a14="http://schemas.microsoft.com/office/drawing/2010/main" w="9525">
-                <a:solidFill>
-                  <a:schemeClr val="tx1"/>
-                </a:solidFill>
-                <a:miter lim="800000"/>
-                <a:headEnd/>
-                <a:tailEnd/>
-              </a14:hiddenLine>
-            </a:ext>
-            <a:ext uri="{AF507438-7753-43E0-B8FC-AC1667EBCBE1}">
-              <a14:hiddenEffects xmlns:a14="http://schemas.microsoft.com/office/drawing/2010/main">
-                <a:effectLst>
-                  <a:outerShdw dist="35921" dir="2700000" algn="ctr" rotWithShape="0">
-                    <a:schemeClr val="bg2"/>
-                  </a:outerShdw>
-                </a:effectLst>
-              </a14:hiddenEffects>
-            </a:ext>
-          </a:extLst>
-        </p:spPr>
-      </p:pic>
-      <p:pic>
-        <p:nvPicPr>
-          <p:cNvPr id="1027" name="Picture 3"/>
-          <p:cNvPicPr>
-            <a:picLocks noChangeAspect="1" noChangeArrowheads="1"/>
-          </p:cNvPicPr>
-          <p:nvPr/>
-        </p:nvPicPr>
-        <p:blipFill>
-          <a:blip r:embed="rId3">
-            <a:extLst>
-              <a:ext uri="{28A0092B-C50C-407E-A947-70E740481C1C}">
-                <a14:useLocalDpi xmlns:a14="http://schemas.microsoft.com/office/drawing/2010/main" val="0"/>
-              </a:ext>
-            </a:extLst>
-          </a:blip>
-          <a:srcRect/>
-          <a:stretch>
-            <a:fillRect/>
-          </a:stretch>
-        </p:blipFill>
-        <p:spPr bwMode="auto">
-          <a:xfrm>
-            <a:off x="5867400" y="4114800"/>
-            <a:ext cx="2262187" cy="2005013"/>
-          </a:xfrm>
-          <a:prstGeom prst="rect">
-            <a:avLst/>
-          </a:prstGeom>
-          <a:noFill/>
-          <a:ln>
-            <a:noFill/>
-          </a:ln>
-          <a:effectLst/>
-          <a:extLst>
-            <a:ext uri="{909E8E84-426E-40DD-AFC4-6F175D3DCCD1}">
-              <a14:hiddenFill xmlns:a14="http://schemas.microsoft.com/office/drawing/2010/main">
-                <a:solidFill>
-                  <a:schemeClr val="accent1"/>
-                </a:solidFill>
-              </a14:hiddenFill>
-            </a:ext>
-            <a:ext uri="{91240B29-F687-4F45-9708-019B960494DF}">
-              <a14:hiddenLine xmlns:a14="http://schemas.microsoft.com/office/drawing/2010/main" w="9525">
-                <a:solidFill>
-                  <a:schemeClr val="tx1"/>
-                </a:solidFill>
-                <a:miter lim="800000"/>
-                <a:headEnd/>
-                <a:tailEnd/>
-              </a14:hiddenLine>
-            </a:ext>
-            <a:ext uri="{AF507438-7753-43E0-B8FC-AC1667EBCBE1}">
-              <a14:hiddenEffects xmlns:a14="http://schemas.microsoft.com/office/drawing/2010/main">
-                <a:effectLst>
-                  <a:outerShdw dist="35921" dir="2700000" algn="ctr" rotWithShape="0">
-                    <a:schemeClr val="bg2"/>
-                  </a:outerShdw>
-                </a:effectLst>
-              </a14:hiddenEffects>
-            </a:ext>
-          </a:extLst>
-        </p:spPr>
-      </p:pic>
-      <p:pic>
-        <p:nvPicPr>
-          <p:cNvPr id="1028" name="Picture 4" descr="C:\Users\hivefd\AppData\Local\Microsoft\Windows\INetCache\IE\X9RDBIES\large-arrow-pointing-right-166.6-10789[1].gif"/>
-          <p:cNvPicPr>
-            <a:picLocks noChangeAspect="1" noChangeArrowheads="1"/>
-          </p:cNvPicPr>
-          <p:nvPr/>
-        </p:nvPicPr>
-        <p:blipFill>
-          <a:blip r:embed="rId4" cstate="print">
-            <a:extLst>
-              <a:ext uri="{28A0092B-C50C-407E-A947-70E740481C1C}">
-                <a14:useLocalDpi xmlns:a14="http://schemas.microsoft.com/office/drawing/2010/main" val="0"/>
-              </a:ext>
-            </a:extLst>
-          </a:blip>
-          <a:srcRect/>
-          <a:stretch>
-            <a:fillRect/>
-          </a:stretch>
-        </p:blipFill>
-        <p:spPr bwMode="auto">
-          <a:xfrm>
-            <a:off x="4572000" y="4876800"/>
-            <a:ext cx="893400" cy="406469"/>
-          </a:xfrm>
-          <a:prstGeom prst="rect">
-            <a:avLst/>
-          </a:prstGeom>
-          <a:noFill/>
-          <a:extLst>
-            <a:ext uri="{909E8E84-426E-40DD-AFC4-6F175D3DCCD1}">
-              <a14:hiddenFill xmlns:a14="http://schemas.microsoft.com/office/drawing/2010/main">
-                <a:solidFill>
-                  <a:srgbClr val="FFFFFF"/>
-                </a:solidFill>
-              </a14:hiddenFill>
-            </a:ext>
-          </a:extLst>
-        </p:spPr>
-      </p:pic>
     </p:spTree>
     <p:extLst>
       <p:ext uri="{BB962C8B-B14F-4D97-AF65-F5344CB8AC3E}">
-        <p14:creationId xmlns:p14="http://schemas.microsoft.com/office/powerpoint/2010/main" val="2876930943"/>
+        <p14:creationId xmlns:p14="http://schemas.microsoft.com/office/powerpoint/2010/main" val="3288629262"/>
       </p:ext>
     </p:extLst>
   </p:cSld>
